--- a/projectGroup1/Solanio · SlidesCarnival.pptx
+++ b/projectGroup1/Solanio · SlidesCarnival.pptx
@@ -5,7 +5,7 @@
     <p:sldMasterId id="2147483660" r:id="rId1"/>
   </p:sldMasterIdLst>
   <p:notesMasterIdLst>
-    <p:notesMasterId r:id="rId17"/>
+    <p:notesMasterId r:id="rId21"/>
   </p:notesMasterIdLst>
   <p:sldIdLst>
     <p:sldId id="260" r:id="rId2"/>
@@ -22,29 +22,33 @@
     <p:sldId id="300" r:id="rId13"/>
     <p:sldId id="301" r:id="rId14"/>
     <p:sldId id="302" r:id="rId15"/>
-    <p:sldId id="279" r:id="rId16"/>
+    <p:sldId id="303" r:id="rId16"/>
+    <p:sldId id="304" r:id="rId17"/>
+    <p:sldId id="305" r:id="rId18"/>
+    <p:sldId id="306" r:id="rId19"/>
+    <p:sldId id="279" r:id="rId20"/>
   </p:sldIdLst>
   <p:sldSz cx="9144000" cy="5143500" type="screen16x9"/>
   <p:notesSz cx="6858000" cy="9144000"/>
   <p:embeddedFontLst>
     <p:embeddedFont>
-      <p:font typeface="Dosis" panose="020B0604020202020204" charset="0"/>
-      <p:regular r:id="rId18"/>
-      <p:bold r:id="rId19"/>
+      <p:font typeface="Segoe Script" pitchFamily="66" charset="0"/>
+      <p:regular r:id="rId22"/>
+      <p:bold r:id="rId23"/>
     </p:embeddedFont>
     <p:embeddedFont>
-      <p:font typeface="Dosis ExtraLight" panose="020B0604020202020204" charset="0"/>
-      <p:regular r:id="rId20"/>
-      <p:bold r:id="rId21"/>
+      <p:font typeface="Pontano Sans" charset="0"/>
+      <p:regular r:id="rId24"/>
     </p:embeddedFont>
     <p:embeddedFont>
-      <p:font typeface="Pontano Sans" panose="020B0604020202020204" charset="0"/>
-      <p:regular r:id="rId22"/>
+      <p:font typeface="Dosis ExtraLight" charset="0"/>
+      <p:regular r:id="rId25"/>
+      <p:bold r:id="rId26"/>
     </p:embeddedFont>
     <p:embeddedFont>
-      <p:font typeface="Segoe Script" panose="030B0504020000000003" pitchFamily="66" charset="0"/>
-      <p:regular r:id="rId23"/>
-      <p:bold r:id="rId24"/>
+      <p:font typeface="Dosis" charset="0"/>
+      <p:regular r:id="rId27"/>
+      <p:bold r:id="rId28"/>
     </p:embeddedFont>
   </p:embeddedFontLst>
   <p:defaultTextStyle>
@@ -276,22 +280,6 @@
       </a:defRPr>
     </a:lvl9pPr>
   </p:defaultTextStyle>
-  <p:extLst>
-    <p:ext uri="{EFAFB233-063F-42B5-8137-9DF3F51BA10A}">
-      <p15:sldGuideLst xmlns:p15="http://schemas.microsoft.com/office/powerpoint/2012/main">
-        <p15:guide id="1" orient="horz" pos="1620">
-          <p15:clr>
-            <a:srgbClr val="A4A3A4"/>
-          </p15:clr>
-        </p15:guide>
-        <p15:guide id="2" pos="2880">
-          <p15:clr>
-            <a:srgbClr val="A4A3A4"/>
-          </p15:clr>
-        </p15:guide>
-      </p15:sldGuideLst>
-    </p:ext>
-  </p:extLst>
 </p:presentation>
 </file>
 
@@ -8231,7 +8219,7 @@
               <a:buNone/>
             </a:pPr>
             <a:r>
-              <a:rPr lang="en-GB" sz="4400" dirty="0">
+              <a:rPr lang="en-GB" sz="4400" dirty="0" smtClean="0">
                 <a:latin typeface="Segoe Script" pitchFamily="66" charset="0"/>
               </a:rPr>
               <a:t>PATHOLOGYLAB MANAGEMENT SYSTEM</a:t>
@@ -8305,7 +8293,7 @@
           <a:blip r:embed="rId3">
             <a:extLst>
               <a:ext uri="{28A0092B-C50C-407E-A947-70E740481C1C}">
-                <a14:useLocalDpi xmlns:a14="http://schemas.microsoft.com/office/drawing/2010/main" val="0"/>
+                <a14:useLocalDpi xmlns:a14="http://schemas.microsoft.com/office/drawing/2010/main" xmlns="" val="0"/>
               </a:ext>
             </a:extLst>
           </a:blip>
@@ -8335,7 +8323,7 @@
           <a:blip r:embed="rId4">
             <a:extLst>
               <a:ext uri="{28A0092B-C50C-407E-A947-70E740481C1C}">
-                <a14:useLocalDpi xmlns:a14="http://schemas.microsoft.com/office/drawing/2010/main" val="0"/>
+                <a14:useLocalDpi xmlns:a14="http://schemas.microsoft.com/office/drawing/2010/main" xmlns="" val="0"/>
               </a:ext>
             </a:extLst>
           </a:blip>
@@ -8441,7 +8429,7 @@
           <a:lstStyle/>
           <a:p>
             <a:r>
-              <a:rPr lang="en-US" sz="2000" dirty="0">
+              <a:rPr lang="en-US" sz="2000" dirty="0" smtClean="0">
                 <a:solidFill>
                   <a:schemeClr val="accent1"/>
                 </a:solidFill>
@@ -8457,7 +8445,7 @@
       </p:sp>
       <p:pic>
         <p:nvPicPr>
-          <p:cNvPr id="5" name="Picture 137"/>
+          <p:cNvPr id="5122" name="Picture 112" descr="stass"/>
           <p:cNvPicPr>
             <a:picLocks noChangeAspect="1" noChangeArrowheads="1"/>
           </p:cNvPicPr>
@@ -8472,8 +8460,8 @@
         </p:blipFill>
         <p:spPr bwMode="auto">
           <a:xfrm>
-            <a:off x="0" y="133350"/>
-            <a:ext cx="7315200" cy="4591050"/>
+            <a:off x="0" y="0"/>
+            <a:ext cx="7086600" cy="4629150"/>
           </a:xfrm>
           <a:prstGeom prst="rect">
             <a:avLst/>
@@ -8485,7 +8473,6 @@
             <a:headEnd/>
             <a:tailEnd/>
           </a:ln>
-          <a:effectLst/>
         </p:spPr>
       </p:pic>
     </p:spTree>
@@ -8493,6 +8480,13 @@
   <p:clrMapOvr>
     <a:masterClrMapping/>
   </p:clrMapOvr>
+  <p:timing>
+    <p:tnLst>
+      <p:par>
+        <p:cTn id="1" dur="indefinite" restart="never" nodeType="tmRoot"/>
+      </p:par>
+    </p:tnLst>
+  </p:timing>
 </p:sld>
 </file>
 
@@ -8576,7 +8570,7 @@
           <a:lstStyle/>
           <a:p>
             <a:r>
-              <a:rPr lang="en-US" sz="2000" dirty="0">
+              <a:rPr lang="en-US" sz="2000" dirty="0" smtClean="0">
                 <a:solidFill>
                   <a:schemeClr val="accent1"/>
                 </a:solidFill>
@@ -8585,7 +8579,7 @@
               <a:t>DFD LEVEL 1</a:t>
             </a:r>
             <a:br>
-              <a:rPr lang="en-US" sz="2000" dirty="0">
+              <a:rPr lang="en-US" sz="2000" dirty="0" smtClean="0">
                 <a:solidFill>
                   <a:schemeClr val="accent1"/>
                 </a:solidFill>
@@ -8593,7 +8587,7 @@
               </a:rPr>
             </a:br>
             <a:r>
-              <a:rPr lang="en-US" sz="2000" dirty="0">
+              <a:rPr lang="en-US" sz="2000" dirty="0" smtClean="0">
                 <a:solidFill>
                   <a:schemeClr val="accent1"/>
                 </a:solidFill>
@@ -8601,12 +8595,18 @@
               </a:rPr>
               <a:t>DOCTOR</a:t>
             </a:r>
+            <a:endParaRPr lang="en-US" sz="2000" dirty="0">
+              <a:solidFill>
+                <a:schemeClr val="accent1"/>
+              </a:solidFill>
+              <a:latin typeface="Dosis ExtraLight" charset="0"/>
+            </a:endParaRPr>
           </a:p>
         </p:txBody>
       </p:sp>
       <p:pic>
         <p:nvPicPr>
-          <p:cNvPr id="5" name="Picture 138"/>
+          <p:cNvPr id="6146" name="Picture 116" descr="docccc"/>
           <p:cNvPicPr>
             <a:picLocks noChangeAspect="1" noChangeArrowheads="1"/>
           </p:cNvPicPr>
@@ -8622,7 +8622,7 @@
         <p:spPr bwMode="auto">
           <a:xfrm>
             <a:off x="0" y="0"/>
-            <a:ext cx="6705600" cy="4667251"/>
+            <a:ext cx="7010400" cy="4762500"/>
           </a:xfrm>
           <a:prstGeom prst="rect">
             <a:avLst/>
@@ -8634,7 +8634,6 @@
             <a:headEnd/>
             <a:tailEnd/>
           </a:ln>
-          <a:effectLst/>
         </p:spPr>
       </p:pic>
     </p:spTree>
@@ -8642,6 +8641,13 @@
   <p:clrMapOvr>
     <a:masterClrMapping/>
   </p:clrMapOvr>
+  <p:timing>
+    <p:tnLst>
+      <p:par>
+        <p:cTn id="1" dur="indefinite" restart="never" nodeType="tmRoot"/>
+      </p:par>
+    </p:tnLst>
+  </p:timing>
 </p:sld>
 </file>
 
@@ -8725,7 +8731,7 @@
           <a:lstStyle/>
           <a:p>
             <a:r>
-              <a:rPr lang="en-US" sz="2000" dirty="0">
+              <a:rPr lang="en-US" sz="2000" dirty="0" smtClean="0">
                 <a:solidFill>
                   <a:schemeClr val="accent1"/>
                 </a:solidFill>
@@ -8734,7 +8740,7 @@
               <a:t>DFD LEVEL 2</a:t>
             </a:r>
             <a:br>
-              <a:rPr lang="en-US" sz="2000" dirty="0">
+              <a:rPr lang="en-US" sz="2000" dirty="0" smtClean="0">
                 <a:solidFill>
                   <a:schemeClr val="accent1"/>
                 </a:solidFill>
@@ -8742,7 +8748,7 @@
               </a:rPr>
             </a:br>
             <a:r>
-              <a:rPr lang="en-US" sz="2000" dirty="0">
+              <a:rPr lang="en-US" sz="2000" dirty="0" smtClean="0">
                 <a:solidFill>
                   <a:schemeClr val="accent1"/>
                 </a:solidFill>
@@ -8750,12 +8756,18 @@
               </a:rPr>
               <a:t>ADMINISTRACTION</a:t>
             </a:r>
+            <a:endParaRPr lang="en-US" sz="2000" dirty="0">
+              <a:solidFill>
+                <a:schemeClr val="accent1"/>
+              </a:solidFill>
+              <a:latin typeface="Dosis ExtraLight" charset="0"/>
+            </a:endParaRPr>
           </a:p>
         </p:txBody>
       </p:sp>
       <p:pic>
         <p:nvPicPr>
-          <p:cNvPr id="5" name="Picture 139"/>
+          <p:cNvPr id="7170" name="Picture 108" descr="ad2"/>
           <p:cNvPicPr>
             <a:picLocks noChangeAspect="1" noChangeArrowheads="1"/>
           </p:cNvPicPr>
@@ -8771,7 +8783,7 @@
         <p:spPr bwMode="auto">
           <a:xfrm>
             <a:off x="0" y="0"/>
-            <a:ext cx="6705600" cy="4705350"/>
+            <a:ext cx="6858000" cy="4629150"/>
           </a:xfrm>
           <a:prstGeom prst="rect">
             <a:avLst/>
@@ -8783,7 +8795,6 @@
             <a:headEnd/>
             <a:tailEnd/>
           </a:ln>
-          <a:effectLst/>
         </p:spPr>
       </p:pic>
     </p:spTree>
@@ -8874,7 +8885,7 @@
           <a:lstStyle/>
           <a:p>
             <a:r>
-              <a:rPr lang="en-US" sz="2000" dirty="0">
+              <a:rPr lang="en-US" sz="2000" dirty="0" smtClean="0">
                 <a:solidFill>
                   <a:schemeClr val="accent1"/>
                 </a:solidFill>
@@ -8883,7 +8894,7 @@
               <a:t>DFD LEVEL 2</a:t>
             </a:r>
             <a:br>
-              <a:rPr lang="en-US" sz="2000" dirty="0">
+              <a:rPr lang="en-US" sz="2000" dirty="0" smtClean="0">
                 <a:solidFill>
                   <a:schemeClr val="accent1"/>
                 </a:solidFill>
@@ -8891,7 +8902,7 @@
               </a:rPr>
             </a:br>
             <a:r>
-              <a:rPr lang="en-US" sz="2000" dirty="0">
+              <a:rPr lang="en-US" sz="2000" dirty="0" smtClean="0">
                 <a:solidFill>
                   <a:schemeClr val="accent1"/>
                 </a:solidFill>
@@ -8899,12 +8910,18 @@
               </a:rPr>
               <a:t>STAFF</a:t>
             </a:r>
+            <a:endParaRPr lang="en-US" sz="2000" dirty="0">
+              <a:solidFill>
+                <a:schemeClr val="accent1"/>
+              </a:solidFill>
+              <a:latin typeface="Dosis ExtraLight" charset="0"/>
+            </a:endParaRPr>
           </a:p>
         </p:txBody>
       </p:sp>
       <p:pic>
         <p:nvPicPr>
-          <p:cNvPr id="5" name="Picture 140"/>
+          <p:cNvPr id="8194" name="Picture 117" descr="sta222"/>
           <p:cNvPicPr>
             <a:picLocks noChangeAspect="1" noChangeArrowheads="1"/>
           </p:cNvPicPr>
@@ -8920,7 +8937,7 @@
         <p:spPr bwMode="auto">
           <a:xfrm>
             <a:off x="0" y="0"/>
-            <a:ext cx="6629400" cy="4705350"/>
+            <a:ext cx="6858000" cy="4705350"/>
           </a:xfrm>
           <a:prstGeom prst="rect">
             <a:avLst/>
@@ -8932,7 +8949,6 @@
             <a:headEnd/>
             <a:tailEnd/>
           </a:ln>
-          <a:effectLst/>
         </p:spPr>
       </p:pic>
     </p:spTree>
@@ -9023,7 +9039,7 @@
           <a:lstStyle/>
           <a:p>
             <a:r>
-              <a:rPr lang="en-US" sz="2000" dirty="0">
+              <a:rPr lang="en-US" sz="2000" dirty="0" smtClean="0">
                 <a:solidFill>
                   <a:schemeClr val="accent1"/>
                 </a:solidFill>
@@ -9032,7 +9048,7 @@
               <a:t>DFD LEVEL 2</a:t>
             </a:r>
             <a:br>
-              <a:rPr lang="en-US" sz="2000" dirty="0">
+              <a:rPr lang="en-US" sz="2000" dirty="0" smtClean="0">
                 <a:solidFill>
                   <a:schemeClr val="accent1"/>
                 </a:solidFill>
@@ -9040,7 +9056,7 @@
               </a:rPr>
             </a:br>
             <a:r>
-              <a:rPr lang="en-US" sz="2000" dirty="0">
+              <a:rPr lang="en-US" sz="2000" dirty="0" smtClean="0">
                 <a:solidFill>
                   <a:schemeClr val="accent1"/>
                 </a:solidFill>
@@ -9048,12 +9064,18 @@
               </a:rPr>
               <a:t>DOCTOR</a:t>
             </a:r>
+            <a:endParaRPr lang="en-US" sz="2000" dirty="0">
+              <a:solidFill>
+                <a:schemeClr val="accent1"/>
+              </a:solidFill>
+              <a:latin typeface="Dosis ExtraLight" charset="0"/>
+            </a:endParaRPr>
           </a:p>
         </p:txBody>
       </p:sp>
       <p:pic>
         <p:nvPicPr>
-          <p:cNvPr id="5" name="Picture 141"/>
+          <p:cNvPr id="9218" name="Picture 118" descr="doctor2222"/>
           <p:cNvPicPr>
             <a:picLocks noChangeAspect="1" noChangeArrowheads="1"/>
           </p:cNvPicPr>
@@ -9069,7 +9091,7 @@
         <p:spPr bwMode="auto">
           <a:xfrm>
             <a:off x="0" y="0"/>
-            <a:ext cx="6553200" cy="4705350"/>
+            <a:ext cx="6858000" cy="4781550"/>
           </a:xfrm>
           <a:prstGeom prst="rect">
             <a:avLst/>
@@ -9081,7 +9103,6 @@
             <a:headEnd/>
             <a:tailEnd/>
           </a:ln>
-          <a:effectLst/>
         </p:spPr>
       </p:pic>
     </p:spTree>
@@ -9093,6 +9114,550 @@
 </file>
 
 <file path=ppt/slides/slide15.xml><?xml version="1.0" encoding="utf-8"?>
+<p:sld xmlns:a="http://schemas.openxmlformats.org/drawingml/2006/main" xmlns:r="http://schemas.openxmlformats.org/officeDocument/2006/relationships" xmlns:p="http://schemas.openxmlformats.org/presentationml/2006/main">
+  <p:cSld>
+    <p:spTree>
+      <p:nvGrpSpPr>
+        <p:cNvPr id="1" name=""/>
+        <p:cNvGrpSpPr/>
+        <p:nvPr/>
+      </p:nvGrpSpPr>
+      <p:grpSpPr>
+        <a:xfrm>
+          <a:off x="0" y="0"/>
+          <a:ext cx="0" cy="0"/>
+          <a:chOff x="0" y="0"/>
+          <a:chExt cx="0" cy="0"/>
+        </a:xfrm>
+      </p:grpSpPr>
+      <p:sp>
+        <p:nvSpPr>
+          <p:cNvPr id="2" name="Text Placeholder 1"/>
+          <p:cNvSpPr>
+            <a:spLocks noGrp="1"/>
+          </p:cNvSpPr>
+          <p:nvPr>
+            <p:ph type="body" idx="1"/>
+          </p:nvPr>
+        </p:nvSpPr>
+        <p:spPr>
+          <a:xfrm>
+            <a:off x="7696200" y="1885950"/>
+            <a:ext cx="1142925" cy="519600"/>
+          </a:xfrm>
+        </p:spPr>
+        <p:txBody>
+          <a:bodyPr/>
+          <a:lstStyle/>
+          <a:p>
+            <a:r>
+              <a:rPr lang="en-US" sz="2000" dirty="0" smtClean="0">
+                <a:solidFill>
+                  <a:schemeClr val="accent1"/>
+                </a:solidFill>
+                <a:latin typeface="Dosis ExtraLight" charset="0"/>
+              </a:rPr>
+              <a:t>LOGIN</a:t>
+            </a:r>
+            <a:endParaRPr lang="en-US" sz="2000" dirty="0">
+              <a:solidFill>
+                <a:schemeClr val="accent1"/>
+              </a:solidFill>
+              <a:latin typeface="Dosis ExtraLight" charset="0"/>
+            </a:endParaRPr>
+          </a:p>
+        </p:txBody>
+      </p:sp>
+      <p:sp>
+        <p:nvSpPr>
+          <p:cNvPr id="3" name="Slide Number Placeholder 2"/>
+          <p:cNvSpPr>
+            <a:spLocks noGrp="1"/>
+          </p:cNvSpPr>
+          <p:nvPr>
+            <p:ph type="sldNum" idx="12"/>
+          </p:nvPr>
+        </p:nvSpPr>
+        <p:spPr/>
+        <p:txBody>
+          <a:bodyPr/>
+          <a:lstStyle/>
+          <a:p>
+            <a:pPr marL="0" lvl="0" indent="0" algn="l" rtl="0">
+              <a:spcBef>
+                <a:spcPts val="0"/>
+              </a:spcBef>
+              <a:spcAft>
+                <a:spcPts val="0"/>
+              </a:spcAft>
+              <a:buNone/>
+            </a:pPr>
+            <a:fld id="{00000000-1234-1234-1234-123412341234}" type="slidenum">
+              <a:rPr lang="en" smtClean="0"/>
+              <a:pPr marL="0" lvl="0" indent="0" algn="l" rtl="0">
+                <a:spcBef>
+                  <a:spcPts val="0"/>
+                </a:spcBef>
+                <a:spcAft>
+                  <a:spcPts val="0"/>
+                </a:spcAft>
+                <a:buNone/>
+              </a:pPr>
+              <a:t>15</a:t>
+            </a:fld>
+            <a:endParaRPr lang="en"/>
+          </a:p>
+        </p:txBody>
+      </p:sp>
+      <p:pic>
+        <p:nvPicPr>
+          <p:cNvPr id="10242" name="Picture 64" descr="5"/>
+          <p:cNvPicPr>
+            <a:picLocks noChangeAspect="1" noChangeArrowheads="1"/>
+          </p:cNvPicPr>
+          <p:nvPr/>
+        </p:nvPicPr>
+        <p:blipFill>
+          <a:blip r:embed="rId2"/>
+          <a:srcRect/>
+          <a:stretch>
+            <a:fillRect/>
+          </a:stretch>
+        </p:blipFill>
+        <p:spPr bwMode="auto">
+          <a:xfrm>
+            <a:off x="0" y="0"/>
+            <a:ext cx="7772400" cy="4781549"/>
+          </a:xfrm>
+          <a:prstGeom prst="rect">
+            <a:avLst/>
+          </a:prstGeom>
+          <a:noFill/>
+          <a:ln w="9525">
+            <a:noFill/>
+            <a:miter lim="800000"/>
+            <a:headEnd/>
+            <a:tailEnd/>
+          </a:ln>
+        </p:spPr>
+      </p:pic>
+    </p:spTree>
+  </p:cSld>
+  <p:clrMapOvr>
+    <a:masterClrMapping/>
+  </p:clrMapOvr>
+</p:sld>
+</file>
+
+<file path=ppt/slides/slide16.xml><?xml version="1.0" encoding="utf-8"?>
+<p:sld xmlns:a="http://schemas.openxmlformats.org/drawingml/2006/main" xmlns:r="http://schemas.openxmlformats.org/officeDocument/2006/relationships" xmlns:p="http://schemas.openxmlformats.org/presentationml/2006/main">
+  <p:cSld>
+    <p:spTree>
+      <p:nvGrpSpPr>
+        <p:cNvPr id="1" name=""/>
+        <p:cNvGrpSpPr/>
+        <p:nvPr/>
+      </p:nvGrpSpPr>
+      <p:grpSpPr>
+        <a:xfrm>
+          <a:off x="0" y="0"/>
+          <a:ext cx="0" cy="0"/>
+          <a:chOff x="0" y="0"/>
+          <a:chExt cx="0" cy="0"/>
+        </a:xfrm>
+      </p:grpSpPr>
+      <p:sp>
+        <p:nvSpPr>
+          <p:cNvPr id="2" name="Text Placeholder 1"/>
+          <p:cNvSpPr>
+            <a:spLocks noGrp="1"/>
+          </p:cNvSpPr>
+          <p:nvPr>
+            <p:ph type="body" idx="1"/>
+          </p:nvPr>
+        </p:nvSpPr>
+        <p:spPr>
+          <a:xfrm>
+            <a:off x="7239000" y="1885950"/>
+            <a:ext cx="1600124" cy="519600"/>
+          </a:xfrm>
+        </p:spPr>
+        <p:txBody>
+          <a:bodyPr/>
+          <a:lstStyle/>
+          <a:p>
+            <a:r>
+              <a:rPr lang="en-US" sz="2000" dirty="0" smtClean="0">
+                <a:solidFill>
+                  <a:schemeClr val="accent1"/>
+                </a:solidFill>
+                <a:latin typeface="Dosis ExtraLight" charset="0"/>
+              </a:rPr>
+              <a:t>ADMIN</a:t>
+            </a:r>
+            <a:endParaRPr lang="en-US" sz="2000" dirty="0">
+              <a:solidFill>
+                <a:schemeClr val="accent1"/>
+              </a:solidFill>
+              <a:latin typeface="Dosis ExtraLight" charset="0"/>
+            </a:endParaRPr>
+          </a:p>
+        </p:txBody>
+      </p:sp>
+      <p:sp>
+        <p:nvSpPr>
+          <p:cNvPr id="3" name="Slide Number Placeholder 2"/>
+          <p:cNvSpPr>
+            <a:spLocks noGrp="1"/>
+          </p:cNvSpPr>
+          <p:nvPr>
+            <p:ph type="sldNum" idx="12"/>
+          </p:nvPr>
+        </p:nvSpPr>
+        <p:spPr/>
+        <p:txBody>
+          <a:bodyPr/>
+          <a:lstStyle/>
+          <a:p>
+            <a:pPr marL="0" lvl="0" indent="0" algn="l" rtl="0">
+              <a:spcBef>
+                <a:spcPts val="0"/>
+              </a:spcBef>
+              <a:spcAft>
+                <a:spcPts val="0"/>
+              </a:spcAft>
+              <a:buNone/>
+            </a:pPr>
+            <a:fld id="{00000000-1234-1234-1234-123412341234}" type="slidenum">
+              <a:rPr lang="en" smtClean="0"/>
+              <a:pPr marL="0" lvl="0" indent="0" algn="l" rtl="0">
+                <a:spcBef>
+                  <a:spcPts val="0"/>
+                </a:spcBef>
+                <a:spcAft>
+                  <a:spcPts val="0"/>
+                </a:spcAft>
+                <a:buNone/>
+              </a:pPr>
+              <a:t>16</a:t>
+            </a:fld>
+            <a:endParaRPr lang="en"/>
+          </a:p>
+        </p:txBody>
+      </p:sp>
+      <p:pic>
+        <p:nvPicPr>
+          <p:cNvPr id="11266" name="Picture 91" descr="44f91d7f861b74452d0a"/>
+          <p:cNvPicPr>
+            <a:picLocks noChangeAspect="1" noChangeArrowheads="1"/>
+          </p:cNvPicPr>
+          <p:nvPr/>
+        </p:nvPicPr>
+        <p:blipFill>
+          <a:blip r:embed="rId2"/>
+          <a:srcRect/>
+          <a:stretch>
+            <a:fillRect/>
+          </a:stretch>
+        </p:blipFill>
+        <p:spPr bwMode="auto">
+          <a:xfrm>
+            <a:off x="0" y="0"/>
+            <a:ext cx="7696200" cy="4629150"/>
+          </a:xfrm>
+          <a:prstGeom prst="rect">
+            <a:avLst/>
+          </a:prstGeom>
+          <a:noFill/>
+          <a:ln w="9525">
+            <a:noFill/>
+            <a:miter lim="800000"/>
+            <a:headEnd/>
+            <a:tailEnd/>
+          </a:ln>
+        </p:spPr>
+      </p:pic>
+    </p:spTree>
+  </p:cSld>
+  <p:clrMapOvr>
+    <a:masterClrMapping/>
+  </p:clrMapOvr>
+</p:sld>
+</file>
+
+<file path=ppt/slides/slide17.xml><?xml version="1.0" encoding="utf-8"?>
+<p:sld xmlns:a="http://schemas.openxmlformats.org/drawingml/2006/main" xmlns:r="http://schemas.openxmlformats.org/officeDocument/2006/relationships" xmlns:p="http://schemas.openxmlformats.org/presentationml/2006/main">
+  <p:cSld>
+    <p:spTree>
+      <p:nvGrpSpPr>
+        <p:cNvPr id="1" name=""/>
+        <p:cNvGrpSpPr/>
+        <p:nvPr/>
+      </p:nvGrpSpPr>
+      <p:grpSpPr>
+        <a:xfrm>
+          <a:off x="0" y="0"/>
+          <a:ext cx="0" cy="0"/>
+          <a:chOff x="0" y="0"/>
+          <a:chExt cx="0" cy="0"/>
+        </a:xfrm>
+      </p:grpSpPr>
+      <p:sp>
+        <p:nvSpPr>
+          <p:cNvPr id="2" name="Text Placeholder 1"/>
+          <p:cNvSpPr>
+            <a:spLocks noGrp="1"/>
+          </p:cNvSpPr>
+          <p:nvPr>
+            <p:ph type="body" idx="1"/>
+          </p:nvPr>
+        </p:nvSpPr>
+        <p:spPr>
+          <a:xfrm>
+            <a:off x="7315200" y="1962150"/>
+            <a:ext cx="1600125" cy="519600"/>
+          </a:xfrm>
+        </p:spPr>
+        <p:txBody>
+          <a:bodyPr/>
+          <a:lstStyle/>
+          <a:p>
+            <a:r>
+              <a:rPr lang="en-US" sz="2000" dirty="0" smtClean="0">
+                <a:solidFill>
+                  <a:schemeClr val="accent1"/>
+                </a:solidFill>
+                <a:latin typeface="Dosis ExtraLight" charset="0"/>
+              </a:rPr>
+              <a:t>DOCTOR</a:t>
+            </a:r>
+            <a:endParaRPr lang="en-US" sz="2000" dirty="0">
+              <a:solidFill>
+                <a:schemeClr val="accent1"/>
+              </a:solidFill>
+              <a:latin typeface="Dosis ExtraLight" charset="0"/>
+            </a:endParaRPr>
+          </a:p>
+        </p:txBody>
+      </p:sp>
+      <p:sp>
+        <p:nvSpPr>
+          <p:cNvPr id="3" name="Slide Number Placeholder 2"/>
+          <p:cNvSpPr>
+            <a:spLocks noGrp="1"/>
+          </p:cNvSpPr>
+          <p:nvPr>
+            <p:ph type="sldNum" idx="12"/>
+          </p:nvPr>
+        </p:nvSpPr>
+        <p:spPr/>
+        <p:txBody>
+          <a:bodyPr/>
+          <a:lstStyle/>
+          <a:p>
+            <a:pPr marL="0" lvl="0" indent="0" algn="l" rtl="0">
+              <a:spcBef>
+                <a:spcPts val="0"/>
+              </a:spcBef>
+              <a:spcAft>
+                <a:spcPts val="0"/>
+              </a:spcAft>
+              <a:buNone/>
+            </a:pPr>
+            <a:fld id="{00000000-1234-1234-1234-123412341234}" type="slidenum">
+              <a:rPr lang="en" smtClean="0"/>
+              <a:pPr marL="0" lvl="0" indent="0" algn="l" rtl="0">
+                <a:spcBef>
+                  <a:spcPts val="0"/>
+                </a:spcBef>
+                <a:spcAft>
+                  <a:spcPts val="0"/>
+                </a:spcAft>
+                <a:buNone/>
+              </a:pPr>
+              <a:t>17</a:t>
+            </a:fld>
+            <a:endParaRPr lang="en"/>
+          </a:p>
+        </p:txBody>
+      </p:sp>
+      <p:pic>
+        <p:nvPicPr>
+          <p:cNvPr id="12290" name="Picture 92" descr="Report"/>
+          <p:cNvPicPr>
+            <a:picLocks noChangeAspect="1" noChangeArrowheads="1"/>
+          </p:cNvPicPr>
+          <p:nvPr/>
+        </p:nvPicPr>
+        <p:blipFill>
+          <a:blip r:embed="rId2"/>
+          <a:srcRect/>
+          <a:stretch>
+            <a:fillRect/>
+          </a:stretch>
+        </p:blipFill>
+        <p:spPr bwMode="auto">
+          <a:xfrm>
+            <a:off x="0" y="0"/>
+            <a:ext cx="7772400" cy="4705350"/>
+          </a:xfrm>
+          <a:prstGeom prst="rect">
+            <a:avLst/>
+          </a:prstGeom>
+          <a:noFill/>
+          <a:ln w="9525">
+            <a:noFill/>
+            <a:miter lim="800000"/>
+            <a:headEnd/>
+            <a:tailEnd/>
+          </a:ln>
+        </p:spPr>
+      </p:pic>
+    </p:spTree>
+  </p:cSld>
+  <p:clrMapOvr>
+    <a:masterClrMapping/>
+  </p:clrMapOvr>
+</p:sld>
+</file>
+
+<file path=ppt/slides/slide18.xml><?xml version="1.0" encoding="utf-8"?>
+<p:sld xmlns:a="http://schemas.openxmlformats.org/drawingml/2006/main" xmlns:r="http://schemas.openxmlformats.org/officeDocument/2006/relationships" xmlns:p="http://schemas.openxmlformats.org/presentationml/2006/main">
+  <p:cSld>
+    <p:spTree>
+      <p:nvGrpSpPr>
+        <p:cNvPr id="1" name=""/>
+        <p:cNvGrpSpPr/>
+        <p:nvPr/>
+      </p:nvGrpSpPr>
+      <p:grpSpPr>
+        <a:xfrm>
+          <a:off x="0" y="0"/>
+          <a:ext cx="0" cy="0"/>
+          <a:chOff x="0" y="0"/>
+          <a:chExt cx="0" cy="0"/>
+        </a:xfrm>
+      </p:grpSpPr>
+      <p:sp>
+        <p:nvSpPr>
+          <p:cNvPr id="2" name="Text Placeholder 1"/>
+          <p:cNvSpPr>
+            <a:spLocks noGrp="1"/>
+          </p:cNvSpPr>
+          <p:nvPr>
+            <p:ph type="body" idx="1"/>
+          </p:nvPr>
+        </p:nvSpPr>
+        <p:spPr>
+          <a:xfrm>
+            <a:off x="7772400" y="2038350"/>
+            <a:ext cx="1219125" cy="519600"/>
+          </a:xfrm>
+        </p:spPr>
+        <p:txBody>
+          <a:bodyPr/>
+          <a:lstStyle/>
+          <a:p>
+            <a:r>
+              <a:rPr lang="en-US" sz="2000" dirty="0" smtClean="0">
+                <a:solidFill>
+                  <a:schemeClr val="accent1"/>
+                </a:solidFill>
+                <a:latin typeface="Dosis ExtraLight" charset="0"/>
+              </a:rPr>
+              <a:t>STAFF</a:t>
+            </a:r>
+            <a:endParaRPr lang="en-US" sz="2000" dirty="0">
+              <a:solidFill>
+                <a:schemeClr val="accent1"/>
+              </a:solidFill>
+              <a:latin typeface="Dosis ExtraLight" charset="0"/>
+            </a:endParaRPr>
+          </a:p>
+        </p:txBody>
+      </p:sp>
+      <p:sp>
+        <p:nvSpPr>
+          <p:cNvPr id="3" name="Slide Number Placeholder 2"/>
+          <p:cNvSpPr>
+            <a:spLocks noGrp="1"/>
+          </p:cNvSpPr>
+          <p:nvPr>
+            <p:ph type="sldNum" idx="12"/>
+          </p:nvPr>
+        </p:nvSpPr>
+        <p:spPr/>
+        <p:txBody>
+          <a:bodyPr/>
+          <a:lstStyle/>
+          <a:p>
+            <a:pPr marL="0" lvl="0" indent="0" algn="l" rtl="0">
+              <a:spcBef>
+                <a:spcPts val="0"/>
+              </a:spcBef>
+              <a:spcAft>
+                <a:spcPts val="0"/>
+              </a:spcAft>
+              <a:buNone/>
+            </a:pPr>
+            <a:fld id="{00000000-1234-1234-1234-123412341234}" type="slidenum">
+              <a:rPr lang="en" smtClean="0"/>
+              <a:pPr marL="0" lvl="0" indent="0" algn="l" rtl="0">
+                <a:spcBef>
+                  <a:spcPts val="0"/>
+                </a:spcBef>
+                <a:spcAft>
+                  <a:spcPts val="0"/>
+                </a:spcAft>
+                <a:buNone/>
+              </a:pPr>
+              <a:t>18</a:t>
+            </a:fld>
+            <a:endParaRPr lang="en"/>
+          </a:p>
+        </p:txBody>
+      </p:sp>
+      <p:pic>
+        <p:nvPicPr>
+          <p:cNvPr id="13314" name="Picture 96" descr="c73af703fb0809565019"/>
+          <p:cNvPicPr>
+            <a:picLocks noChangeAspect="1" noChangeArrowheads="1"/>
+          </p:cNvPicPr>
+          <p:nvPr/>
+        </p:nvPicPr>
+        <p:blipFill>
+          <a:blip r:embed="rId2"/>
+          <a:srcRect/>
+          <a:stretch>
+            <a:fillRect/>
+          </a:stretch>
+        </p:blipFill>
+        <p:spPr bwMode="auto">
+          <a:xfrm>
+            <a:off x="0" y="0"/>
+            <a:ext cx="7848600" cy="4705350"/>
+          </a:xfrm>
+          <a:prstGeom prst="rect">
+            <a:avLst/>
+          </a:prstGeom>
+          <a:noFill/>
+          <a:ln w="9525">
+            <a:noFill/>
+            <a:miter lim="800000"/>
+            <a:headEnd/>
+            <a:tailEnd/>
+          </a:ln>
+        </p:spPr>
+      </p:pic>
+    </p:spTree>
+  </p:cSld>
+  <p:clrMapOvr>
+    <a:masterClrMapping/>
+  </p:clrMapOvr>
+</p:sld>
+</file>
+
+<file path=ppt/slides/slide19.xml><?xml version="1.0" encoding="utf-8"?>
 <p:sld xmlns:a="http://schemas.openxmlformats.org/drawingml/2006/main" xmlns:r="http://schemas.openxmlformats.org/officeDocument/2006/relationships" xmlns:p="http://schemas.openxmlformats.org/presentationml/2006/main">
   <p:cSld>
     <p:spTree>
@@ -9154,7 +9719,7 @@
                 </a:spcAft>
                 <a:buNone/>
               </a:pPr>
-              <a:t>15</a:t>
+              <a:t>19</a:t>
             </a:fld>
             <a:endParaRPr/>
           </a:p>
@@ -10294,7 +10859,7 @@
           <a:p>
             <a:pPr lvl="0"/>
             <a:r>
-              <a:rPr lang="en-US" dirty="0"/>
+              <a:rPr lang="en-US" dirty="0" smtClean="0"/>
               <a:t>GROUP 1</a:t>
             </a:r>
             <a:endParaRPr dirty="0"/>
@@ -10330,31 +10895,31 @@
               <a:buNone/>
             </a:pPr>
             <a:r>
-              <a:rPr lang="en-US" b="1" dirty="0"/>
+              <a:rPr lang="en-US" b="1" dirty="0" smtClean="0"/>
               <a:t>Instructor: </a:t>
             </a:r>
             <a:r>
-              <a:rPr lang="en-US" dirty="0"/>
+              <a:rPr lang="en-US" dirty="0" smtClean="0"/>
               <a:t>M</a:t>
             </a:r>
             <a:r>
-              <a:rPr lang="en-GB" dirty="0"/>
+              <a:rPr lang="en-GB" dirty="0" smtClean="0"/>
               <a:t>r. </a:t>
             </a:r>
             <a:r>
-              <a:rPr lang="en-GB" dirty="0" err="1"/>
+              <a:rPr lang="en-GB" dirty="0" err="1" smtClean="0"/>
               <a:t>Luong</a:t>
             </a:r>
             <a:r>
-              <a:rPr lang="en-GB" dirty="0"/>
+              <a:rPr lang="en-GB" dirty="0" smtClean="0"/>
               <a:t> The </a:t>
             </a:r>
             <a:r>
-              <a:rPr lang="en-GB" dirty="0" err="1"/>
+              <a:rPr lang="en-GB" dirty="0" err="1" smtClean="0"/>
               <a:t>Anh</a:t>
             </a:r>
             <a:r>
-              <a:rPr lang="en-US" dirty="0"/>
+              <a:rPr lang="en-US" dirty="0" smtClean="0"/>
               <a:t>	</a:t>
             </a:r>
           </a:p>
@@ -10363,117 +10928,117 @@
               <a:buNone/>
             </a:pPr>
             <a:r>
-              <a:rPr lang="en-US" b="1" dirty="0"/>
+              <a:rPr lang="en-US" b="1" dirty="0" smtClean="0"/>
               <a:t>Students:</a:t>
             </a:r>
           </a:p>
           <a:p>
             <a:r>
-              <a:rPr lang="en-US" dirty="0"/>
+              <a:rPr lang="en-US" dirty="0" smtClean="0"/>
               <a:t>A1</a:t>
             </a:r>
             <a:r>
-              <a:rPr lang="en-GB" dirty="0"/>
+              <a:rPr lang="en-GB" dirty="0" smtClean="0"/>
               <a:t>9084</a:t>
             </a:r>
             <a:r>
-              <a:rPr lang="en-US" dirty="0"/>
+              <a:rPr lang="en-US" dirty="0" smtClean="0"/>
               <a:t> - </a:t>
             </a:r>
             <a:r>
-              <a:rPr lang="en-GB" dirty="0"/>
+              <a:rPr lang="en-GB" dirty="0" smtClean="0"/>
               <a:t>Pham </a:t>
             </a:r>
             <a:r>
-              <a:rPr lang="en-GB" dirty="0" err="1"/>
+              <a:rPr lang="en-GB" dirty="0" err="1" smtClean="0"/>
               <a:t>Quoc</a:t>
             </a:r>
             <a:r>
-              <a:rPr lang="en-GB" dirty="0"/>
+              <a:rPr lang="en-GB" dirty="0" smtClean="0"/>
               <a:t> </a:t>
             </a:r>
             <a:r>
-              <a:rPr lang="en-GB" dirty="0" err="1"/>
+              <a:rPr lang="en-GB" dirty="0" err="1" smtClean="0"/>
               <a:t>Anh</a:t>
             </a:r>
-            <a:endParaRPr lang="en-US" sz="2800" dirty="0"/>
+            <a:endParaRPr lang="en-US" sz="2800" dirty="0" smtClean="0"/>
           </a:p>
           <a:p>
             <a:r>
-              <a:rPr lang="en-US" dirty="0"/>
+              <a:rPr lang="en-US" dirty="0" smtClean="0"/>
               <a:t>A1</a:t>
             </a:r>
             <a:r>
-              <a:rPr lang="en-GB" dirty="0"/>
+              <a:rPr lang="en-GB" dirty="0" smtClean="0"/>
               <a:t>9088</a:t>
             </a:r>
             <a:r>
-              <a:rPr lang="en-US" dirty="0"/>
+              <a:rPr lang="en-US" dirty="0" smtClean="0"/>
               <a:t> - T</a:t>
             </a:r>
             <a:r>
-              <a:rPr lang="en-GB" dirty="0"/>
+              <a:rPr lang="en-GB" dirty="0" smtClean="0"/>
               <a:t>ran </a:t>
             </a:r>
             <a:r>
-              <a:rPr lang="en-GB" dirty="0" err="1"/>
+              <a:rPr lang="en-GB" dirty="0" err="1" smtClean="0"/>
               <a:t>Thanh</a:t>
             </a:r>
             <a:r>
-              <a:rPr lang="en-GB" dirty="0"/>
+              <a:rPr lang="en-GB" dirty="0" smtClean="0"/>
               <a:t> </a:t>
             </a:r>
             <a:r>
-              <a:rPr lang="en-GB" dirty="0" err="1"/>
+              <a:rPr lang="en-GB" dirty="0" err="1" smtClean="0"/>
               <a:t>Quang</a:t>
             </a:r>
-            <a:endParaRPr lang="en-US" sz="2800" dirty="0"/>
+            <a:endParaRPr lang="en-US" sz="2800" dirty="0" smtClean="0"/>
           </a:p>
           <a:p>
             <a:r>
-              <a:rPr lang="en-US" dirty="0"/>
+              <a:rPr lang="en-US" dirty="0" smtClean="0"/>
               <a:t>A1</a:t>
             </a:r>
             <a:r>
-              <a:rPr lang="en-GB" dirty="0"/>
+              <a:rPr lang="en-GB" dirty="0" smtClean="0"/>
               <a:t>9079</a:t>
             </a:r>
             <a:r>
-              <a:rPr lang="en-US" dirty="0"/>
+              <a:rPr lang="en-US" dirty="0" smtClean="0"/>
               <a:t> - </a:t>
             </a:r>
             <a:r>
-              <a:rPr lang="en-GB" dirty="0"/>
+              <a:rPr lang="en-GB" dirty="0" smtClean="0"/>
               <a:t>Doan  </a:t>
             </a:r>
             <a:r>
-              <a:rPr lang="en-GB" dirty="0" err="1"/>
+              <a:rPr lang="en-GB" dirty="0" err="1" smtClean="0"/>
               <a:t>Lan</a:t>
             </a:r>
             <a:r>
-              <a:rPr lang="en-GB" dirty="0"/>
+              <a:rPr lang="en-GB" dirty="0" smtClean="0"/>
               <a:t> </a:t>
             </a:r>
             <a:r>
-              <a:rPr lang="en-GB" dirty="0" err="1"/>
+              <a:rPr lang="en-GB" dirty="0" err="1" smtClean="0"/>
               <a:t>Anh</a:t>
             </a:r>
-            <a:endParaRPr lang="en-US" sz="2800" dirty="0"/>
+            <a:endParaRPr lang="en-US" sz="2800" dirty="0" smtClean="0"/>
           </a:p>
           <a:p>
             <a:r>
-              <a:rPr lang="en-GB" dirty="0"/>
+              <a:rPr lang="en-GB" dirty="0" smtClean="0"/>
               <a:t>A18115 - Nguyen </a:t>
             </a:r>
             <a:r>
-              <a:rPr lang="en-GB" dirty="0" err="1"/>
+              <a:rPr lang="en-GB" dirty="0" err="1" smtClean="0"/>
               <a:t>Thuy</a:t>
             </a:r>
             <a:r>
-              <a:rPr lang="en-GB" dirty="0"/>
+              <a:rPr lang="en-GB" dirty="0" smtClean="0"/>
               <a:t> Van</a:t>
             </a:r>
-            <a:endParaRPr lang="en-US" dirty="0"/>
+            <a:endParaRPr lang="en-US" dirty="0" smtClean="0"/>
           </a:p>
           <a:p>
             <a:pPr marL="457200" lvl="0" indent="-381000" algn="l" rtl="0">
@@ -10586,34 +11151,52 @@
           <a:bodyPr/>
           <a:lstStyle/>
           <a:p>
-            <a:pPr algn="l"/>
+            <a:pPr algn="l">
+              <a:buFont typeface="Wingdings" pitchFamily="2" charset="2"/>
+              <a:buChar char="Ø"/>
+            </a:pPr>
             <a:r>
-              <a:rPr lang="en-US" i="1" dirty="0"/>
-              <a:t>	 	Life Line is a pathology lab which performs different types of test. Earlier the lab use to perform selected test only but with the increasing response of the patient and </a:t>
-            </a:r>
-            <a:r>
-              <a:rPr lang="en-US" i="1" dirty="0" err="1"/>
-              <a:t>doct</a:t>
-            </a:r>
-            <a:r>
-              <a:rPr lang="en-GB" i="1" dirty="0"/>
-              <a:t>o</a:t>
-            </a:r>
-            <a:r>
-              <a:rPr lang="en-US" i="1" dirty="0"/>
-              <a:t>r demand they have added new tests. So it becomes difficult to manage the reports of the patients and the details of the various tests. So the management of the lab decided to develop software for the lab management. So the software Pathology Lab Management System was developed to automate the lab details. This includes information about all lab items, Doctors, patients, and </a:t>
-            </a:r>
-            <a:r>
-              <a:rPr lang="en-GB" i="1" dirty="0"/>
-              <a:t>staff</a:t>
-            </a:r>
-            <a:r>
-              <a:rPr lang="en-US" i="1" dirty="0"/>
-              <a:t>. This system gives a generalize, concise and accurate information regarding billing, purchase details, stock etc. This system provides any type of enquiry such as patient details, stock, purchase details, Patient details, billing etc.</a:t>
+              <a:rPr lang="en-US" i="1" dirty="0" smtClean="0"/>
+              <a:t>Life Line is a pathology laboratory that performs different types of tests.</a:t>
             </a:r>
           </a:p>
           <a:p>
-            <a:pPr algn="l"/>
+            <a:pPr algn="l">
+              <a:buFont typeface="Wingdings" pitchFamily="2" charset="2"/>
+              <a:buChar char="Ø"/>
+            </a:pPr>
+            <a:r>
+              <a:rPr lang="en-US" i="1" dirty="0" smtClean="0"/>
+              <a:t>Previously, the lab was only to perform selected tests but with patient response and doctor's request, they added new </a:t>
+            </a:r>
+            <a:r>
+              <a:rPr lang="en-US" i="1" dirty="0" err="1" smtClean="0"/>
+              <a:t>tests.It</a:t>
+            </a:r>
+            <a:r>
+              <a:rPr lang="en-US" i="1" dirty="0" smtClean="0"/>
+              <a:t> should be difficult to manage patient reports and details of other tests.</a:t>
+            </a:r>
+          </a:p>
+          <a:p>
+            <a:pPr algn="l">
+              <a:buFont typeface="Wingdings" pitchFamily="2" charset="2"/>
+              <a:buChar char="Ø"/>
+            </a:pPr>
+            <a:r>
+              <a:rPr lang="en-US" i="1" dirty="0" smtClean="0"/>
+              <a:t>Therefore, the laboratory decided to develop laboratory management software.</a:t>
+            </a:r>
+          </a:p>
+          <a:p>
+            <a:pPr algn="l">
+              <a:buFont typeface="Wingdings" pitchFamily="2" charset="2"/>
+              <a:buChar char="Ø"/>
+            </a:pPr>
+            <a:r>
+              <a:rPr lang="en-US" i="1" dirty="0" smtClean="0"/>
+              <a:t>This system provides general, concise and accurate information regarding the provision of investigation information such as patient details, inventory, purchase details, patient details, billing, etc.</a:t>
+            </a:r>
             <a:endParaRPr lang="en-US" dirty="0"/>
           </a:p>
         </p:txBody>
@@ -10681,7 +11264,7 @@
           <a:lstStyle/>
           <a:p>
             <a:r>
-              <a:rPr lang="en-US" sz="2800" dirty="0">
+              <a:rPr lang="en-US" sz="2800" dirty="0" smtClean="0">
                 <a:solidFill>
                   <a:schemeClr val="accent1"/>
                 </a:solidFill>
@@ -10689,6 +11272,12 @@
               </a:rPr>
               <a:t>Problem definition</a:t>
             </a:r>
+            <a:endParaRPr lang="en-US" sz="2800" dirty="0">
+              <a:solidFill>
+                <a:schemeClr val="accent1"/>
+              </a:solidFill>
+              <a:latin typeface="Dosis ExtraLight" charset="0"/>
+            </a:endParaRPr>
           </a:p>
         </p:txBody>
       </p:sp>
@@ -10780,7 +11369,7 @@
           <a:lstStyle/>
           <a:p>
             <a:r>
-              <a:rPr lang="en-US" sz="2800" dirty="0">
+              <a:rPr lang="en-US" sz="2800" dirty="0" smtClean="0">
                 <a:solidFill>
                   <a:schemeClr val="accent1"/>
                 </a:solidFill>
@@ -10788,6 +11377,12 @@
               </a:rPr>
               <a:t>Overview of processes involved in the system</a:t>
             </a:r>
+            <a:endParaRPr lang="en-US" sz="2800" dirty="0">
+              <a:solidFill>
+                <a:schemeClr val="accent1"/>
+              </a:solidFill>
+              <a:latin typeface="Dosis ExtraLight" charset="0"/>
+            </a:endParaRPr>
           </a:p>
         </p:txBody>
       </p:sp>
@@ -10814,27 +11409,27 @@
           <a:p>
             <a:pPr lvl="0"/>
             <a:r>
-              <a:rPr lang="en-US" sz="1800" b="1" dirty="0">
+              <a:rPr lang="en-US" sz="1800" b="1" dirty="0" smtClean="0">
                 <a:latin typeface="Pontano Sans" charset="0"/>
               </a:rPr>
-              <a:t>Login</a:t>
+              <a:t>Login, Logout </a:t>
             </a:r>
             <a:r>
-              <a:rPr lang="en-US" sz="1800" dirty="0">
+              <a:rPr lang="en-US" sz="1800" dirty="0" smtClean="0">
                 <a:latin typeface="Pontano Sans" charset="0"/>
               </a:rPr>
-              <a:t>(The login form appears every time users enter the system, asking the user to confirm the access. The system contains three login type : Admin, Staff, Doctor).</a:t>
+              <a:t>(The login portal appears every time you enter the system, asking the user to confirm the access. The system contains three login: Admin, Doctor, Staff).</a:t>
             </a:r>
           </a:p>
           <a:p>
             <a:pPr lvl="0"/>
             <a:r>
-              <a:rPr lang="en-US" sz="1800" b="1" dirty="0">
+              <a:rPr lang="en-US" sz="1800" b="1" dirty="0" smtClean="0">
                 <a:latin typeface="Pontano Sans" charset="0"/>
               </a:rPr>
               <a:t>Administrator:</a:t>
             </a:r>
-            <a:endParaRPr lang="en-US" sz="1800" dirty="0">
+            <a:endParaRPr lang="en-US" sz="1800" dirty="0" smtClean="0">
               <a:latin typeface="Pontano Sans" charset="0"/>
             </a:endParaRPr>
           </a:p>
@@ -10844,10 +11439,16 @@
               <a:buChar char="Ø"/>
             </a:pPr>
             <a:r>
-              <a:rPr lang="en-US" sz="1800" dirty="0">
+              <a:rPr lang="en-US" sz="1800" dirty="0" smtClean="0">
                 <a:latin typeface="Pontano Sans" charset="0"/>
               </a:rPr>
-              <a:t>Add/edit doctor account</a:t>
+              <a:t>Add/edit doctor </a:t>
+            </a:r>
+            <a:r>
+              <a:rPr lang="en-US" sz="1800" dirty="0" smtClean="0">
+                <a:latin typeface="Pontano Sans" charset="0"/>
+              </a:rPr>
+              <a:t>account</a:t>
             </a:r>
           </a:p>
           <a:p>
@@ -10856,21 +11457,14 @@
               <a:buChar char="Ø"/>
             </a:pPr>
             <a:r>
-              <a:rPr lang="en-US" sz="1800" dirty="0">
+              <a:rPr lang="en-US" sz="1800" dirty="0" smtClean="0">
                 <a:latin typeface="Pontano Sans" charset="0"/>
               </a:rPr>
-              <a:t>Add/edit</a:t>
+              <a:t>Add/edit staff account</a:t>
             </a:r>
-            <a:r>
-              <a:rPr lang="vi-VN" sz="1800" dirty="0"/>
-              <a:t> </a:t>
-            </a:r>
-            <a:r>
-              <a:rPr lang="en-US" sz="1800" dirty="0">
-                <a:latin typeface="Pontano Sans" charset="0"/>
-              </a:rPr>
-              <a:t>staff account</a:t>
-            </a:r>
+            <a:endParaRPr lang="en-US" sz="1800" dirty="0" smtClean="0">
+              <a:latin typeface="Pontano Sans" charset="0"/>
+            </a:endParaRPr>
           </a:p>
           <a:p>
             <a:pPr lvl="1">
@@ -10878,7 +11472,7 @@
               <a:buChar char="Ø"/>
             </a:pPr>
             <a:r>
-              <a:rPr lang="en-US" sz="1800" dirty="0">
+              <a:rPr lang="en-US" sz="1800" dirty="0" smtClean="0">
                 <a:latin typeface="Pontano Sans" charset="0"/>
               </a:rPr>
               <a:t>Add/edit login account.</a:t>
@@ -10961,7 +11555,7 @@
         <p:spPr>
           <a:xfrm>
             <a:off x="3657600" y="895350"/>
-            <a:ext cx="4572000" cy="2585323"/>
+            <a:ext cx="4572000" cy="2862322"/>
           </a:xfrm>
           <a:prstGeom prst="rect">
             <a:avLst/>
@@ -10975,12 +11569,12 @@
           <a:p>
             <a:pPr lvl="0"/>
             <a:r>
-              <a:rPr lang="en-US" sz="1800" b="1" dirty="0">
+              <a:rPr lang="en-US" sz="1800" b="1" dirty="0" smtClean="0">
                 <a:latin typeface="Pontano Sans" charset="0"/>
               </a:rPr>
               <a:t>Staff:</a:t>
             </a:r>
-            <a:endParaRPr lang="en-US" sz="1800" dirty="0">
+            <a:endParaRPr lang="en-US" sz="1800" dirty="0" smtClean="0">
               <a:latin typeface="Pontano Sans" charset="0"/>
             </a:endParaRPr>
           </a:p>
@@ -10990,19 +11584,53 @@
               <a:buChar char="Ø"/>
             </a:pPr>
             <a:r>
-              <a:rPr lang="en-US" sz="1800" dirty="0">
+              <a:rPr lang="en-US" sz="1800" dirty="0" smtClean="0">
                 <a:latin typeface="Pontano Sans" charset="0"/>
               </a:rPr>
-              <a:t>Change password </a:t>
+              <a:t>Add/edit </a:t>
             </a:r>
             <a:r>
-              <a:rPr lang="en-US" sz="1800" dirty="0" err="1">
+              <a:rPr lang="en-US" sz="1800" dirty="0" smtClean="0">
                 <a:latin typeface="Pontano Sans" charset="0"/>
               </a:rPr>
-              <a:t>staffdetail</a:t>
+              <a:t>patient</a:t>
             </a:r>
             <a:r>
-              <a:rPr lang="en-US" sz="1800" dirty="0">
+              <a:rPr lang="vi-VN" sz="1800" dirty="0" smtClean="0"/>
+              <a:t> </a:t>
+            </a:r>
+            <a:r>
+              <a:rPr lang="en-US" sz="1800" dirty="0" smtClean="0">
+                <a:latin typeface="Pontano Sans" charset="0"/>
+              </a:rPr>
+              <a:t>detail</a:t>
+            </a:r>
+          </a:p>
+          <a:p>
+            <a:pPr lvl="1">
+              <a:buFont typeface="Wingdings" pitchFamily="2" charset="2"/>
+              <a:buChar char="Ø"/>
+            </a:pPr>
+            <a:r>
+              <a:rPr lang="en-US" sz="1800" dirty="0" smtClean="0">
+                <a:latin typeface="Pontano Sans" charset="0"/>
+              </a:rPr>
+              <a:t>Add/edit medicine stock.</a:t>
+            </a:r>
+          </a:p>
+          <a:p>
+            <a:pPr lvl="1">
+              <a:buFont typeface="Wingdings" pitchFamily="2" charset="2"/>
+              <a:buChar char="Ø"/>
+            </a:pPr>
+            <a:r>
+              <a:rPr lang="en-US" sz="1800" dirty="0" smtClean="0">
+                <a:latin typeface="Pontano Sans" charset="0"/>
+              </a:rPr>
+              <a:t>Check bill detail</a:t>
+            </a:r>
+            <a:r>
+              <a:rPr lang="en-US" sz="1800" dirty="0" smtClean="0">
                 <a:latin typeface="Pontano Sans" charset="0"/>
               </a:rPr>
               <a:t>.</a:t>
@@ -11014,69 +11642,24 @@
               <a:buChar char="Ø"/>
             </a:pPr>
             <a:r>
-              <a:rPr lang="en-US" sz="1800" dirty="0">
+              <a:rPr lang="en-US" sz="1800" dirty="0" smtClean="0">
                 <a:latin typeface="Pontano Sans" charset="0"/>
               </a:rPr>
-              <a:t>Add/edit patient</a:t>
+              <a:t>Change password Staff account</a:t>
             </a:r>
-            <a:r>
-              <a:rPr lang="vi-VN" sz="1800" dirty="0"/>
-              <a:t> </a:t>
-            </a:r>
-            <a:r>
-              <a:rPr lang="en-US" sz="1800" dirty="0">
-                <a:latin typeface="Pontano Sans" charset="0"/>
-              </a:rPr>
-              <a:t>detail</a:t>
-            </a:r>
-          </a:p>
-          <a:p>
-            <a:pPr lvl="1">
-              <a:buFont typeface="Wingdings" pitchFamily="2" charset="2"/>
-              <a:buChar char="Ø"/>
-            </a:pPr>
-            <a:r>
-              <a:rPr lang="en-US" sz="1800" dirty="0">
-                <a:latin typeface="Pontano Sans" charset="0"/>
-              </a:rPr>
-              <a:t>Add/edit medicine stock.</a:t>
-            </a:r>
-          </a:p>
-          <a:p>
-            <a:pPr lvl="1">
-              <a:buFont typeface="Wingdings" pitchFamily="2" charset="2"/>
-              <a:buChar char="Ø"/>
-            </a:pPr>
-            <a:r>
-              <a:rPr lang="en-US" sz="1800" dirty="0">
-                <a:latin typeface="Pontano Sans" charset="0"/>
-              </a:rPr>
-              <a:t>Check bill detail.</a:t>
-            </a:r>
+            <a:endParaRPr lang="en-US" sz="1800" dirty="0" smtClean="0">
+              <a:latin typeface="Pontano Sans" charset="0"/>
+            </a:endParaRPr>
           </a:p>
           <a:p>
             <a:pPr lvl="0"/>
             <a:r>
-              <a:rPr lang="en-US" sz="1800" b="1" dirty="0">
+              <a:rPr lang="en-US" sz="1800" b="1" dirty="0" smtClean="0">
                 <a:latin typeface="Pontano Sans" charset="0"/>
               </a:rPr>
               <a:t>Doctor:</a:t>
             </a:r>
-          </a:p>
-          <a:p>
-            <a:r>
-              <a:rPr lang="en-US" sz="1800" dirty="0">
-                <a:latin typeface="Pontano Sans" charset="0"/>
-              </a:rPr>
-              <a:t>Change password </a:t>
-            </a:r>
-            <a:r>
-              <a:rPr lang="en-US" sz="1800">
-                <a:latin typeface="Pontano Sans" charset="0"/>
-              </a:rPr>
-              <a:t>Doctor.</a:t>
-            </a:r>
-            <a:endParaRPr lang="en-US" sz="1800" dirty="0">
+            <a:endParaRPr lang="en-US" sz="1800" dirty="0" smtClean="0">
               <a:latin typeface="Pontano Sans" charset="0"/>
             </a:endParaRPr>
           </a:p>
@@ -11086,33 +11669,33 @@
               <a:buChar char="Ø"/>
             </a:pPr>
             <a:r>
-              <a:rPr lang="en-US" sz="1800" dirty="0">
+              <a:rPr lang="en-US" sz="1800" dirty="0" smtClean="0">
                 <a:latin typeface="Pontano Sans" charset="0"/>
               </a:rPr>
               <a:t>View</a:t>
             </a:r>
             <a:r>
-              <a:rPr lang="vi-VN" sz="1800" dirty="0"/>
+              <a:rPr lang="vi-VN" sz="1800" dirty="0" smtClean="0"/>
               <a:t>/</a:t>
             </a:r>
             <a:r>
-              <a:rPr lang="en-US" sz="1800" dirty="0">
+              <a:rPr lang="en-US" sz="1800" dirty="0" smtClean="0">
                 <a:latin typeface="Pontano Sans" charset="0"/>
               </a:rPr>
               <a:t>edit</a:t>
             </a:r>
             <a:r>
-              <a:rPr lang="vi-VN" sz="1800" dirty="0"/>
+              <a:rPr lang="vi-VN" sz="1800" dirty="0" smtClean="0"/>
               <a:t> </a:t>
             </a:r>
             <a:r>
-              <a:rPr lang="en-GB" sz="1800" dirty="0">
+              <a:rPr lang="en-GB" sz="1800" dirty="0" smtClean="0">
                 <a:latin typeface="Pontano Sans" charset="0"/>
               </a:rPr>
               <a:t>report</a:t>
             </a:r>
             <a:r>
-              <a:rPr lang="en-US" sz="1800" dirty="0">
+              <a:rPr lang="en-US" sz="1800" dirty="0" smtClean="0">
                 <a:latin typeface="Pontano Sans" charset="0"/>
               </a:rPr>
               <a:t>.</a:t>
@@ -11124,17 +11707,50 @@
               <a:buChar char="Ø"/>
             </a:pPr>
             <a:r>
-              <a:rPr lang="en-GB" sz="1800" dirty="0">
+              <a:rPr lang="en-GB" sz="1800" dirty="0" smtClean="0">
                 <a:latin typeface="Pontano Sans" charset="0"/>
               </a:rPr>
               <a:t>Add/edit test information</a:t>
             </a:r>
             <a:r>
-              <a:rPr lang="en-US" sz="1800" dirty="0">
+              <a:rPr lang="en-US" sz="1800" dirty="0" smtClean="0">
                 <a:latin typeface="Pontano Sans" charset="0"/>
               </a:rPr>
               <a:t>.</a:t>
             </a:r>
+          </a:p>
+          <a:p>
+            <a:pPr lvl="1">
+              <a:buFont typeface="Wingdings" pitchFamily="2" charset="2"/>
+              <a:buChar char="Ø"/>
+            </a:pPr>
+            <a:r>
+              <a:rPr lang="en-US" sz="1800" dirty="0" smtClean="0">
+                <a:latin typeface="Pontano Sans" charset="0"/>
+              </a:rPr>
+              <a:t>Change password </a:t>
+            </a:r>
+            <a:r>
+              <a:rPr lang="en-US" sz="1800" dirty="0" smtClean="0">
+                <a:latin typeface="Pontano Sans" charset="0"/>
+              </a:rPr>
+              <a:t>Doctor </a:t>
+            </a:r>
+            <a:r>
+              <a:rPr lang="en-US" sz="1800" dirty="0" smtClean="0">
+                <a:latin typeface="Pontano Sans" charset="0"/>
+              </a:rPr>
+              <a:t>account</a:t>
+            </a:r>
+          </a:p>
+          <a:p>
+            <a:pPr lvl="1">
+              <a:buFont typeface="Wingdings" pitchFamily="2" charset="2"/>
+              <a:buChar char="Ø"/>
+            </a:pPr>
+            <a:endParaRPr lang="en-US" sz="1800" dirty="0" smtClean="0">
+              <a:latin typeface="Pontano Sans" charset="0"/>
+            </a:endParaRPr>
           </a:p>
         </p:txBody>
       </p:sp>
@@ -11226,7 +11842,7 @@
           <a:lstStyle/>
           <a:p>
             <a:r>
-              <a:rPr lang="en-US" sz="2000" dirty="0">
+              <a:rPr lang="en-US" sz="2000" dirty="0" smtClean="0">
                 <a:solidFill>
                   <a:schemeClr val="accent1"/>
                 </a:solidFill>
@@ -11234,12 +11850,18 @@
               </a:rPr>
               <a:t>ENTITY RELATIONSHIP MODEL</a:t>
             </a:r>
+            <a:endParaRPr lang="en-US" sz="2000" dirty="0">
+              <a:solidFill>
+                <a:schemeClr val="accent1"/>
+              </a:solidFill>
+              <a:latin typeface="Dosis ExtraLight" charset="0"/>
+            </a:endParaRPr>
           </a:p>
         </p:txBody>
       </p:sp>
       <p:pic>
         <p:nvPicPr>
-          <p:cNvPr id="5" name="Picture 149"/>
+          <p:cNvPr id="1026" name="Picture 43" descr="er1"/>
           <p:cNvPicPr>
             <a:picLocks noChangeAspect="1" noChangeArrowheads="1"/>
           </p:cNvPicPr>
@@ -11254,8 +11876,40 @@
         </p:blipFill>
         <p:spPr bwMode="auto">
           <a:xfrm>
-            <a:off x="0" y="0"/>
-            <a:ext cx="6858000" cy="4705350"/>
+            <a:off x="0" y="1"/>
+            <a:ext cx="6145213" cy="2266949"/>
+          </a:xfrm>
+          <a:prstGeom prst="rect">
+            <a:avLst/>
+          </a:prstGeom>
+          <a:noFill/>
+          <a:ln w="9525">
+            <a:noFill/>
+            <a:miter lim="800000"/>
+            <a:headEnd/>
+            <a:tailEnd/>
+          </a:ln>
+        </p:spPr>
+      </p:pic>
+      <p:pic>
+        <p:nvPicPr>
+          <p:cNvPr id="1027" name="Picture 163" descr="er2"/>
+          <p:cNvPicPr>
+            <a:picLocks noChangeAspect="1" noChangeArrowheads="1"/>
+          </p:cNvPicPr>
+          <p:nvPr/>
+        </p:nvPicPr>
+        <p:blipFill>
+          <a:blip r:embed="rId3"/>
+          <a:srcRect/>
+          <a:stretch>
+            <a:fillRect/>
+          </a:stretch>
+        </p:blipFill>
+        <p:spPr bwMode="auto">
+          <a:xfrm>
+            <a:off x="0" y="2266950"/>
+            <a:ext cx="7010400" cy="2498725"/>
           </a:xfrm>
           <a:prstGeom prst="rect">
             <a:avLst/>
@@ -11275,6 +11929,13 @@
   <p:clrMapOvr>
     <a:masterClrMapping/>
   </p:clrMapOvr>
+  <p:timing>
+    <p:tnLst>
+      <p:par>
+        <p:cTn id="1" dur="indefinite" restart="never" nodeType="tmRoot"/>
+      </p:par>
+    </p:tnLst>
+  </p:timing>
 </p:sld>
 </file>
 
@@ -11345,7 +12006,7 @@
         <p:spPr>
           <a:xfrm>
             <a:off x="7391400" y="2190750"/>
-            <a:ext cx="1600200" cy="400110"/>
+            <a:ext cx="1600200" cy="707886"/>
           </a:xfrm>
           <a:prstGeom prst="rect">
             <a:avLst/>
@@ -11358,20 +12019,26 @@
           <a:lstStyle/>
           <a:p>
             <a:r>
-              <a:rPr lang="en-US" sz="2000" dirty="0">
+              <a:rPr lang="en-US" sz="2000" dirty="0" smtClean="0">
                 <a:solidFill>
                   <a:schemeClr val="accent1"/>
                 </a:solidFill>
                 <a:latin typeface="Dosis ExtraLight" charset="0"/>
               </a:rPr>
-              <a:t>Context level</a:t>
+              <a:t>CONTEXT LEVEL</a:t>
             </a:r>
+            <a:endParaRPr lang="en-US" sz="2000" dirty="0">
+              <a:solidFill>
+                <a:schemeClr val="accent1"/>
+              </a:solidFill>
+              <a:latin typeface="Dosis ExtraLight" charset="0"/>
+            </a:endParaRPr>
           </a:p>
         </p:txBody>
       </p:sp>
       <p:pic>
         <p:nvPicPr>
-          <p:cNvPr id="5" name="Picture 154"/>
+          <p:cNvPr id="2050" name="Picture 111" descr="11111111111"/>
           <p:cNvPicPr>
             <a:picLocks noChangeAspect="1" noChangeArrowheads="1"/>
           </p:cNvPicPr>
@@ -11387,7 +12054,7 @@
         <p:spPr bwMode="auto">
           <a:xfrm>
             <a:off x="0" y="0"/>
-            <a:ext cx="7239000" cy="4705350"/>
+            <a:ext cx="7467600" cy="4705350"/>
           </a:xfrm>
           <a:prstGeom prst="rect">
             <a:avLst/>
@@ -11399,7 +12066,6 @@
             <a:headEnd/>
             <a:tailEnd/>
           </a:ln>
-          <a:effectLst/>
         </p:spPr>
       </p:pic>
     </p:spTree>
@@ -11407,6 +12073,13 @@
   <p:clrMapOvr>
     <a:masterClrMapping/>
   </p:clrMapOvr>
+  <p:timing>
+    <p:tnLst>
+      <p:par>
+        <p:cTn id="1" dur="indefinite" restart="never" nodeType="tmRoot"/>
+      </p:par>
+    </p:tnLst>
+  </p:timing>
 </p:sld>
 </file>
 
@@ -11490,7 +12163,7 @@
           <a:lstStyle/>
           <a:p>
             <a:r>
-              <a:rPr lang="en-US" sz="2000" dirty="0">
+              <a:rPr lang="en-US" sz="2000" dirty="0" smtClean="0">
                 <a:solidFill>
                   <a:schemeClr val="accent1"/>
                 </a:solidFill>
@@ -11498,12 +12171,18 @@
               </a:rPr>
               <a:t>DFD LEVEL 0</a:t>
             </a:r>
+            <a:endParaRPr lang="en-US" sz="2000" dirty="0">
+              <a:solidFill>
+                <a:schemeClr val="accent1"/>
+              </a:solidFill>
+              <a:latin typeface="Dosis ExtraLight" charset="0"/>
+            </a:endParaRPr>
           </a:p>
         </p:txBody>
       </p:sp>
       <p:pic>
         <p:nvPicPr>
-          <p:cNvPr id="5" name="Picture 153"/>
+          <p:cNvPr id="3074" name="Picture 105" descr="000"/>
           <p:cNvPicPr>
             <a:picLocks noChangeAspect="1" noChangeArrowheads="1"/>
           </p:cNvPicPr>
@@ -11519,7 +12198,7 @@
         <p:spPr bwMode="auto">
           <a:xfrm>
             <a:off x="0" y="0"/>
-            <a:ext cx="7010400" cy="4648199"/>
+            <a:ext cx="7467600" cy="4857750"/>
           </a:xfrm>
           <a:prstGeom prst="rect">
             <a:avLst/>
@@ -11531,7 +12210,6 @@
             <a:headEnd/>
             <a:tailEnd/>
           </a:ln>
-          <a:effectLst/>
         </p:spPr>
       </p:pic>
     </p:spTree>
@@ -11539,6 +12217,13 @@
   <p:clrMapOvr>
     <a:masterClrMapping/>
   </p:clrMapOvr>
+  <p:timing>
+    <p:tnLst>
+      <p:par>
+        <p:cTn id="1" dur="indefinite" restart="never" nodeType="tmRoot"/>
+      </p:par>
+    </p:tnLst>
+  </p:timing>
 </p:sld>
 </file>
 
@@ -11622,7 +12307,7 @@
           <a:lstStyle/>
           <a:p>
             <a:r>
-              <a:rPr lang="en-US" sz="2000" dirty="0">
+              <a:rPr lang="en-US" sz="2000" dirty="0" smtClean="0">
                 <a:solidFill>
                   <a:schemeClr val="accent1"/>
                 </a:solidFill>
@@ -11631,7 +12316,7 @@
               <a:t>DFD LEVEL 1</a:t>
             </a:r>
             <a:br>
-              <a:rPr lang="en-US" sz="2000" dirty="0">
+              <a:rPr lang="en-US" sz="2000" dirty="0" smtClean="0">
                 <a:solidFill>
                   <a:schemeClr val="accent1"/>
                 </a:solidFill>
@@ -11639,7 +12324,7 @@
               </a:rPr>
             </a:br>
             <a:r>
-              <a:rPr lang="en-US" sz="2000" dirty="0">
+              <a:rPr lang="en-US" sz="2000" dirty="0" smtClean="0">
                 <a:solidFill>
                   <a:schemeClr val="accent1"/>
                 </a:solidFill>
@@ -11647,12 +12332,18 @@
               </a:rPr>
               <a:t>ADMINISTRATION</a:t>
             </a:r>
+            <a:endParaRPr lang="en-US" sz="2000" dirty="0">
+              <a:solidFill>
+                <a:schemeClr val="accent1"/>
+              </a:solidFill>
+              <a:latin typeface="Dosis ExtraLight" charset="0"/>
+            </a:endParaRPr>
           </a:p>
         </p:txBody>
       </p:sp>
       <p:pic>
         <p:nvPicPr>
-          <p:cNvPr id="5" name="Picture 136"/>
+          <p:cNvPr id="4098" name="Picture 106" descr="ad1"/>
           <p:cNvPicPr>
             <a:picLocks noChangeAspect="1" noChangeArrowheads="1"/>
           </p:cNvPicPr>
@@ -11668,7 +12359,7 @@
         <p:spPr bwMode="auto">
           <a:xfrm>
             <a:off x="0" y="0"/>
-            <a:ext cx="6096000" cy="4629150"/>
+            <a:ext cx="6705600" cy="4705350"/>
           </a:xfrm>
           <a:prstGeom prst="rect">
             <a:avLst/>
@@ -11680,7 +12371,6 @@
             <a:headEnd/>
             <a:tailEnd/>
           </a:ln>
-          <a:effectLst/>
         </p:spPr>
       </p:pic>
     </p:spTree>
@@ -11688,6 +12378,13 @@
   <p:clrMapOvr>
     <a:masterClrMapping/>
   </p:clrMapOvr>
+  <p:timing>
+    <p:tnLst>
+      <p:par>
+        <p:cTn id="1" dur="indefinite" restart="never" nodeType="tmRoot"/>
+      </p:par>
+    </p:tnLst>
+  </p:timing>
 </p:sld>
 </file>
 

--- a/projectGroup1/Solanio · SlidesCarnival.pptx
+++ b/projectGroup1/Solanio · SlidesCarnival.pptx
@@ -32,21 +32,21 @@
   <p:notesSz cx="6858000" cy="9144000"/>
   <p:embeddedFontLst>
     <p:embeddedFont>
-      <p:font typeface="Segoe Script" pitchFamily="66" charset="0"/>
+      <p:font typeface="Dosis" panose="020B0604020202020204" charset="0"/>
       <p:regular r:id="rId22"/>
       <p:bold r:id="rId23"/>
     </p:embeddedFont>
     <p:embeddedFont>
-      <p:font typeface="Pontano Sans" charset="0"/>
+      <p:font typeface="Dosis ExtraLight" panose="020B0604020202020204" charset="0"/>
       <p:regular r:id="rId24"/>
+      <p:bold r:id="rId25"/>
     </p:embeddedFont>
     <p:embeddedFont>
-      <p:font typeface="Dosis ExtraLight" charset="0"/>
-      <p:regular r:id="rId25"/>
-      <p:bold r:id="rId26"/>
+      <p:font typeface="Pontano Sans" panose="020B0604020202020204" charset="0"/>
+      <p:regular r:id="rId26"/>
     </p:embeddedFont>
     <p:embeddedFont>
-      <p:font typeface="Dosis" charset="0"/>
+      <p:font typeface="Segoe Script" panose="030B0504020000000003" pitchFamily="66" charset="0"/>
       <p:regular r:id="rId27"/>
       <p:bold r:id="rId28"/>
     </p:embeddedFont>
@@ -280,6 +280,22 @@
       </a:defRPr>
     </a:lvl9pPr>
   </p:defaultTextStyle>
+  <p:extLst>
+    <p:ext uri="{EFAFB233-063F-42B5-8137-9DF3F51BA10A}">
+      <p15:sldGuideLst xmlns:p15="http://schemas.microsoft.com/office/powerpoint/2012/main">
+        <p15:guide id="1" orient="horz" pos="1620">
+          <p15:clr>
+            <a:srgbClr val="A4A3A4"/>
+          </p15:clr>
+        </p15:guide>
+        <p15:guide id="2" pos="2880">
+          <p15:clr>
+            <a:srgbClr val="A4A3A4"/>
+          </p15:clr>
+        </p15:guide>
+      </p15:sldGuideLst>
+    </p:ext>
+  </p:extLst>
 </p:presentation>
 </file>
 
@@ -8219,7 +8235,7 @@
               <a:buNone/>
             </a:pPr>
             <a:r>
-              <a:rPr lang="en-GB" sz="4400" dirty="0" smtClean="0">
+              <a:rPr lang="en-GB" sz="4400" dirty="0">
                 <a:latin typeface="Segoe Script" pitchFamily="66" charset="0"/>
               </a:rPr>
               <a:t>PATHOLOGYLAB MANAGEMENT SYSTEM</a:t>
@@ -8293,7 +8309,7 @@
           <a:blip r:embed="rId3">
             <a:extLst>
               <a:ext uri="{28A0092B-C50C-407E-A947-70E740481C1C}">
-                <a14:useLocalDpi xmlns:a14="http://schemas.microsoft.com/office/drawing/2010/main" xmlns="" val="0"/>
+                <a14:useLocalDpi xmlns:a14="http://schemas.microsoft.com/office/drawing/2010/main" val="0"/>
               </a:ext>
             </a:extLst>
           </a:blip>
@@ -8323,7 +8339,7 @@
           <a:blip r:embed="rId4">
             <a:extLst>
               <a:ext uri="{28A0092B-C50C-407E-A947-70E740481C1C}">
-                <a14:useLocalDpi xmlns:a14="http://schemas.microsoft.com/office/drawing/2010/main" xmlns="" val="0"/>
+                <a14:useLocalDpi xmlns:a14="http://schemas.microsoft.com/office/drawing/2010/main" val="0"/>
               </a:ext>
             </a:extLst>
           </a:blip>
@@ -8429,7 +8445,7 @@
           <a:lstStyle/>
           <a:p>
             <a:r>
-              <a:rPr lang="en-US" sz="2000" dirty="0" smtClean="0">
+              <a:rPr lang="en-US" sz="2000" dirty="0">
                 <a:solidFill>
                   <a:schemeClr val="accent1"/>
                 </a:solidFill>
@@ -8480,13 +8496,6 @@
   <p:clrMapOvr>
     <a:masterClrMapping/>
   </p:clrMapOvr>
-  <p:timing>
-    <p:tnLst>
-      <p:par>
-        <p:cTn id="1" dur="indefinite" restart="never" nodeType="tmRoot"/>
-      </p:par>
-    </p:tnLst>
-  </p:timing>
 </p:sld>
 </file>
 
@@ -8570,7 +8579,7 @@
           <a:lstStyle/>
           <a:p>
             <a:r>
-              <a:rPr lang="en-US" sz="2000" dirty="0" smtClean="0">
+              <a:rPr lang="en-US" sz="2000" dirty="0">
                 <a:solidFill>
                   <a:schemeClr val="accent1"/>
                 </a:solidFill>
@@ -8579,7 +8588,7 @@
               <a:t>DFD LEVEL 1</a:t>
             </a:r>
             <a:br>
-              <a:rPr lang="en-US" sz="2000" dirty="0" smtClean="0">
+              <a:rPr lang="en-US" sz="2000" dirty="0">
                 <a:solidFill>
                   <a:schemeClr val="accent1"/>
                 </a:solidFill>
@@ -8587,7 +8596,7 @@
               </a:rPr>
             </a:br>
             <a:r>
-              <a:rPr lang="en-US" sz="2000" dirty="0" smtClean="0">
+              <a:rPr lang="en-US" sz="2000" dirty="0">
                 <a:solidFill>
                   <a:schemeClr val="accent1"/>
                 </a:solidFill>
@@ -8595,12 +8604,6 @@
               </a:rPr>
               <a:t>DOCTOR</a:t>
             </a:r>
-            <a:endParaRPr lang="en-US" sz="2000" dirty="0">
-              <a:solidFill>
-                <a:schemeClr val="accent1"/>
-              </a:solidFill>
-              <a:latin typeface="Dosis ExtraLight" charset="0"/>
-            </a:endParaRPr>
           </a:p>
         </p:txBody>
       </p:sp>
@@ -8641,13 +8644,6 @@
   <p:clrMapOvr>
     <a:masterClrMapping/>
   </p:clrMapOvr>
-  <p:timing>
-    <p:tnLst>
-      <p:par>
-        <p:cTn id="1" dur="indefinite" restart="never" nodeType="tmRoot"/>
-      </p:par>
-    </p:tnLst>
-  </p:timing>
 </p:sld>
 </file>
 
@@ -8731,7 +8727,7 @@
           <a:lstStyle/>
           <a:p>
             <a:r>
-              <a:rPr lang="en-US" sz="2000" dirty="0" smtClean="0">
+              <a:rPr lang="en-US" sz="2000" dirty="0">
                 <a:solidFill>
                   <a:schemeClr val="accent1"/>
                 </a:solidFill>
@@ -8740,7 +8736,7 @@
               <a:t>DFD LEVEL 2</a:t>
             </a:r>
             <a:br>
-              <a:rPr lang="en-US" sz="2000" dirty="0" smtClean="0">
+              <a:rPr lang="en-US" sz="2000" dirty="0">
                 <a:solidFill>
                   <a:schemeClr val="accent1"/>
                 </a:solidFill>
@@ -8748,7 +8744,7 @@
               </a:rPr>
             </a:br>
             <a:r>
-              <a:rPr lang="en-US" sz="2000" dirty="0" smtClean="0">
+              <a:rPr lang="en-US" sz="2000" dirty="0">
                 <a:solidFill>
                   <a:schemeClr val="accent1"/>
                 </a:solidFill>
@@ -8756,12 +8752,6 @@
               </a:rPr>
               <a:t>ADMINISTRACTION</a:t>
             </a:r>
-            <a:endParaRPr lang="en-US" sz="2000" dirty="0">
-              <a:solidFill>
-                <a:schemeClr val="accent1"/>
-              </a:solidFill>
-              <a:latin typeface="Dosis ExtraLight" charset="0"/>
-            </a:endParaRPr>
           </a:p>
         </p:txBody>
       </p:sp>
@@ -8885,7 +8875,7 @@
           <a:lstStyle/>
           <a:p>
             <a:r>
-              <a:rPr lang="en-US" sz="2000" dirty="0" smtClean="0">
+              <a:rPr lang="en-US" sz="2000" dirty="0">
                 <a:solidFill>
                   <a:schemeClr val="accent1"/>
                 </a:solidFill>
@@ -8894,7 +8884,7 @@
               <a:t>DFD LEVEL 2</a:t>
             </a:r>
             <a:br>
-              <a:rPr lang="en-US" sz="2000" dirty="0" smtClean="0">
+              <a:rPr lang="en-US" sz="2000" dirty="0">
                 <a:solidFill>
                   <a:schemeClr val="accent1"/>
                 </a:solidFill>
@@ -8902,7 +8892,7 @@
               </a:rPr>
             </a:br>
             <a:r>
-              <a:rPr lang="en-US" sz="2000" dirty="0" smtClean="0">
+              <a:rPr lang="en-US" sz="2000" dirty="0">
                 <a:solidFill>
                   <a:schemeClr val="accent1"/>
                 </a:solidFill>
@@ -8910,12 +8900,6 @@
               </a:rPr>
               <a:t>STAFF</a:t>
             </a:r>
-            <a:endParaRPr lang="en-US" sz="2000" dirty="0">
-              <a:solidFill>
-                <a:schemeClr val="accent1"/>
-              </a:solidFill>
-              <a:latin typeface="Dosis ExtraLight" charset="0"/>
-            </a:endParaRPr>
           </a:p>
         </p:txBody>
       </p:sp>
@@ -9039,7 +9023,7 @@
           <a:lstStyle/>
           <a:p>
             <a:r>
-              <a:rPr lang="en-US" sz="2000" dirty="0" smtClean="0">
+              <a:rPr lang="en-US" sz="2000" dirty="0">
                 <a:solidFill>
                   <a:schemeClr val="accent1"/>
                 </a:solidFill>
@@ -9048,7 +9032,7 @@
               <a:t>DFD LEVEL 2</a:t>
             </a:r>
             <a:br>
-              <a:rPr lang="en-US" sz="2000" dirty="0" smtClean="0">
+              <a:rPr lang="en-US" sz="2000" dirty="0">
                 <a:solidFill>
                   <a:schemeClr val="accent1"/>
                 </a:solidFill>
@@ -9056,7 +9040,7 @@
               </a:rPr>
             </a:br>
             <a:r>
-              <a:rPr lang="en-US" sz="2000" dirty="0" smtClean="0">
+              <a:rPr lang="en-US" sz="2000" dirty="0">
                 <a:solidFill>
                   <a:schemeClr val="accent1"/>
                 </a:solidFill>
@@ -9064,12 +9048,6 @@
               </a:rPr>
               <a:t>DOCTOR</a:t>
             </a:r>
-            <a:endParaRPr lang="en-US" sz="2000" dirty="0">
-              <a:solidFill>
-                <a:schemeClr val="accent1"/>
-              </a:solidFill>
-              <a:latin typeface="Dosis ExtraLight" charset="0"/>
-            </a:endParaRPr>
           </a:p>
         </p:txBody>
       </p:sp>
@@ -9151,7 +9129,7 @@
           <a:lstStyle/>
           <a:p>
             <a:r>
-              <a:rPr lang="en-US" sz="2000" dirty="0" smtClean="0">
+              <a:rPr lang="en-US" sz="2000" dirty="0">
                 <a:solidFill>
                   <a:schemeClr val="accent1"/>
                 </a:solidFill>
@@ -9159,12 +9137,6 @@
               </a:rPr>
               <a:t>LOGIN</a:t>
             </a:r>
-            <a:endParaRPr lang="en-US" sz="2000" dirty="0">
-              <a:solidFill>
-                <a:schemeClr val="accent1"/>
-              </a:solidFill>
-              <a:latin typeface="Dosis ExtraLight" charset="0"/>
-            </a:endParaRPr>
           </a:p>
         </p:txBody>
       </p:sp>
@@ -9211,34 +9183,32 @@
       </p:sp>
       <p:pic>
         <p:nvPicPr>
-          <p:cNvPr id="10242" name="Picture 64" descr="5"/>
+          <p:cNvPr id="9" name="Picture 8">
+            <a:extLst>
+              <a:ext uri="{FF2B5EF4-FFF2-40B4-BE49-F238E27FC236}">
+                <a16:creationId xmlns:a16="http://schemas.microsoft.com/office/drawing/2014/main" id="{11BD0158-7AC0-4E2E-B788-845A5140FEEC}"/>
+              </a:ext>
+            </a:extLst>
+          </p:cNvPr>
           <p:cNvPicPr>
-            <a:picLocks noChangeAspect="1" noChangeArrowheads="1"/>
+            <a:picLocks noChangeAspect="1"/>
           </p:cNvPicPr>
           <p:nvPr/>
         </p:nvPicPr>
         <p:blipFill>
           <a:blip r:embed="rId2"/>
-          <a:srcRect/>
           <a:stretch>
             <a:fillRect/>
           </a:stretch>
         </p:blipFill>
-        <p:spPr bwMode="auto">
+        <p:spPr>
           <a:xfrm>
-            <a:off x="0" y="0"/>
-            <a:ext cx="7772400" cy="4781549"/>
+            <a:off x="1" y="0"/>
+            <a:ext cx="7924800" cy="4749851"/>
           </a:xfrm>
           <a:prstGeom prst="rect">
             <a:avLst/>
           </a:prstGeom>
-          <a:noFill/>
-          <a:ln w="9525">
-            <a:noFill/>
-            <a:miter lim="800000"/>
-            <a:headEnd/>
-            <a:tailEnd/>
-          </a:ln>
         </p:spPr>
       </p:pic>
     </p:spTree>
@@ -9287,7 +9257,7 @@
           <a:lstStyle/>
           <a:p>
             <a:r>
-              <a:rPr lang="en-US" sz="2000" dirty="0" smtClean="0">
+              <a:rPr lang="en-US" sz="2000" dirty="0">
                 <a:solidFill>
                   <a:schemeClr val="accent1"/>
                 </a:solidFill>
@@ -9295,12 +9265,6 @@
               </a:rPr>
               <a:t>ADMIN</a:t>
             </a:r>
-            <a:endParaRPr lang="en-US" sz="2000" dirty="0">
-              <a:solidFill>
-                <a:schemeClr val="accent1"/>
-              </a:solidFill>
-              <a:latin typeface="Dosis ExtraLight" charset="0"/>
-            </a:endParaRPr>
           </a:p>
         </p:txBody>
       </p:sp>
@@ -9347,34 +9311,32 @@
       </p:sp>
       <p:pic>
         <p:nvPicPr>
-          <p:cNvPr id="11266" name="Picture 91" descr="44f91d7f861b74452d0a"/>
+          <p:cNvPr id="5" name="Picture 4">
+            <a:extLst>
+              <a:ext uri="{FF2B5EF4-FFF2-40B4-BE49-F238E27FC236}">
+                <a16:creationId xmlns:a16="http://schemas.microsoft.com/office/drawing/2014/main" id="{E6F6A260-C62B-4B46-8C6E-1D5C209F441F}"/>
+              </a:ext>
+            </a:extLst>
+          </p:cNvPr>
           <p:cNvPicPr>
-            <a:picLocks noChangeAspect="1" noChangeArrowheads="1"/>
+            <a:picLocks noChangeAspect="1"/>
           </p:cNvPicPr>
           <p:nvPr/>
         </p:nvPicPr>
         <p:blipFill>
           <a:blip r:embed="rId2"/>
-          <a:srcRect/>
           <a:stretch>
             <a:fillRect/>
           </a:stretch>
         </p:blipFill>
-        <p:spPr bwMode="auto">
+        <p:spPr>
           <a:xfrm>
-            <a:off x="0" y="0"/>
-            <a:ext cx="7696200" cy="4629150"/>
+            <a:off x="1" y="0"/>
+            <a:ext cx="7924800" cy="4749851"/>
           </a:xfrm>
           <a:prstGeom prst="rect">
             <a:avLst/>
           </a:prstGeom>
-          <a:noFill/>
-          <a:ln w="9525">
-            <a:noFill/>
-            <a:miter lim="800000"/>
-            <a:headEnd/>
-            <a:tailEnd/>
-          </a:ln>
         </p:spPr>
       </p:pic>
     </p:spTree>
@@ -9423,7 +9385,7 @@
           <a:lstStyle/>
           <a:p>
             <a:r>
-              <a:rPr lang="en-US" sz="2000" dirty="0" smtClean="0">
+              <a:rPr lang="en-US" sz="2000" dirty="0">
                 <a:solidFill>
                   <a:schemeClr val="accent1"/>
                 </a:solidFill>
@@ -9431,12 +9393,6 @@
               </a:rPr>
               <a:t>DOCTOR</a:t>
             </a:r>
-            <a:endParaRPr lang="en-US" sz="2000" dirty="0">
-              <a:solidFill>
-                <a:schemeClr val="accent1"/>
-              </a:solidFill>
-              <a:latin typeface="Dosis ExtraLight" charset="0"/>
-            </a:endParaRPr>
           </a:p>
         </p:txBody>
       </p:sp>
@@ -9559,7 +9515,7 @@
           <a:lstStyle/>
           <a:p>
             <a:r>
-              <a:rPr lang="en-US" sz="2000" dirty="0" smtClean="0">
+              <a:rPr lang="en-US" sz="2000" dirty="0">
                 <a:solidFill>
                   <a:schemeClr val="accent1"/>
                 </a:solidFill>
@@ -9567,12 +9523,6 @@
               </a:rPr>
               <a:t>STAFF</a:t>
             </a:r>
-            <a:endParaRPr lang="en-US" sz="2000" dirty="0">
-              <a:solidFill>
-                <a:schemeClr val="accent1"/>
-              </a:solidFill>
-              <a:latin typeface="Dosis ExtraLight" charset="0"/>
-            </a:endParaRPr>
           </a:p>
         </p:txBody>
       </p:sp>
@@ -9619,34 +9569,32 @@
       </p:sp>
       <p:pic>
         <p:nvPicPr>
-          <p:cNvPr id="13314" name="Picture 96" descr="c73af703fb0809565019"/>
+          <p:cNvPr id="5" name="Picture 4">
+            <a:extLst>
+              <a:ext uri="{FF2B5EF4-FFF2-40B4-BE49-F238E27FC236}">
+                <a16:creationId xmlns:a16="http://schemas.microsoft.com/office/drawing/2014/main" id="{B0FB5942-C24F-493A-9655-0E33F1E63345}"/>
+              </a:ext>
+            </a:extLst>
+          </p:cNvPr>
           <p:cNvPicPr>
-            <a:picLocks noChangeAspect="1" noChangeArrowheads="1"/>
+            <a:picLocks noChangeAspect="1"/>
           </p:cNvPicPr>
           <p:nvPr/>
         </p:nvPicPr>
         <p:blipFill>
           <a:blip r:embed="rId2"/>
-          <a:srcRect/>
           <a:stretch>
             <a:fillRect/>
           </a:stretch>
         </p:blipFill>
-        <p:spPr bwMode="auto">
+        <p:spPr>
           <a:xfrm>
-            <a:off x="0" y="0"/>
-            <a:ext cx="7848600" cy="4705350"/>
+            <a:off x="0" y="-1"/>
+            <a:ext cx="8153400" cy="4749851"/>
           </a:xfrm>
           <a:prstGeom prst="rect">
             <a:avLst/>
           </a:prstGeom>
-          <a:noFill/>
-          <a:ln w="9525">
-            <a:noFill/>
-            <a:miter lim="800000"/>
-            <a:headEnd/>
-            <a:tailEnd/>
-          </a:ln>
         </p:spPr>
       </p:pic>
     </p:spTree>
@@ -10859,7 +10807,7 @@
           <a:p>
             <a:pPr lvl="0"/>
             <a:r>
-              <a:rPr lang="en-US" dirty="0" smtClean="0"/>
+              <a:rPr lang="en-US" dirty="0"/>
               <a:t>GROUP 1</a:t>
             </a:r>
             <a:endParaRPr dirty="0"/>
@@ -10895,31 +10843,31 @@
               <a:buNone/>
             </a:pPr>
             <a:r>
-              <a:rPr lang="en-US" b="1" dirty="0" smtClean="0"/>
+              <a:rPr lang="en-US" b="1" dirty="0"/>
               <a:t>Instructor: </a:t>
             </a:r>
             <a:r>
-              <a:rPr lang="en-US" dirty="0" smtClean="0"/>
+              <a:rPr lang="en-US" dirty="0"/>
               <a:t>M</a:t>
             </a:r>
             <a:r>
-              <a:rPr lang="en-GB" dirty="0" smtClean="0"/>
+              <a:rPr lang="en-GB" dirty="0"/>
               <a:t>r. </a:t>
             </a:r>
             <a:r>
-              <a:rPr lang="en-GB" dirty="0" err="1" smtClean="0"/>
+              <a:rPr lang="en-GB" dirty="0" err="1"/>
               <a:t>Luong</a:t>
             </a:r>
             <a:r>
-              <a:rPr lang="en-GB" dirty="0" smtClean="0"/>
+              <a:rPr lang="en-GB" dirty="0"/>
               <a:t> The </a:t>
             </a:r>
             <a:r>
-              <a:rPr lang="en-GB" dirty="0" err="1" smtClean="0"/>
+              <a:rPr lang="en-GB" dirty="0" err="1"/>
               <a:t>Anh</a:t>
             </a:r>
             <a:r>
-              <a:rPr lang="en-US" dirty="0" smtClean="0"/>
+              <a:rPr lang="en-US" dirty="0"/>
               <a:t>	</a:t>
             </a:r>
           </a:p>
@@ -10928,117 +10876,117 @@
               <a:buNone/>
             </a:pPr>
             <a:r>
-              <a:rPr lang="en-US" b="1" dirty="0" smtClean="0"/>
+              <a:rPr lang="en-US" b="1" dirty="0"/>
               <a:t>Students:</a:t>
             </a:r>
           </a:p>
           <a:p>
             <a:r>
-              <a:rPr lang="en-US" dirty="0" smtClean="0"/>
+              <a:rPr lang="en-US" dirty="0"/>
               <a:t>A1</a:t>
             </a:r>
             <a:r>
-              <a:rPr lang="en-GB" dirty="0" smtClean="0"/>
+              <a:rPr lang="en-GB" dirty="0"/>
               <a:t>9084</a:t>
             </a:r>
             <a:r>
-              <a:rPr lang="en-US" dirty="0" smtClean="0"/>
+              <a:rPr lang="en-US" dirty="0"/>
               <a:t> - </a:t>
             </a:r>
             <a:r>
-              <a:rPr lang="en-GB" dirty="0" smtClean="0"/>
+              <a:rPr lang="en-GB" dirty="0"/>
               <a:t>Pham </a:t>
             </a:r>
             <a:r>
-              <a:rPr lang="en-GB" dirty="0" err="1" smtClean="0"/>
+              <a:rPr lang="en-GB" dirty="0" err="1"/>
               <a:t>Quoc</a:t>
             </a:r>
             <a:r>
-              <a:rPr lang="en-GB" dirty="0" smtClean="0"/>
+              <a:rPr lang="en-GB" dirty="0"/>
               <a:t> </a:t>
             </a:r>
             <a:r>
-              <a:rPr lang="en-GB" dirty="0" err="1" smtClean="0"/>
+              <a:rPr lang="en-GB" dirty="0" err="1"/>
               <a:t>Anh</a:t>
             </a:r>
-            <a:endParaRPr lang="en-US" sz="2800" dirty="0" smtClean="0"/>
+            <a:endParaRPr lang="en-US" sz="2800" dirty="0"/>
           </a:p>
           <a:p>
             <a:r>
-              <a:rPr lang="en-US" dirty="0" smtClean="0"/>
+              <a:rPr lang="en-US" dirty="0"/>
               <a:t>A1</a:t>
             </a:r>
             <a:r>
-              <a:rPr lang="en-GB" dirty="0" smtClean="0"/>
+              <a:rPr lang="en-GB" dirty="0"/>
               <a:t>9088</a:t>
             </a:r>
             <a:r>
-              <a:rPr lang="en-US" dirty="0" smtClean="0"/>
+              <a:rPr lang="en-US" dirty="0"/>
               <a:t> - T</a:t>
             </a:r>
             <a:r>
-              <a:rPr lang="en-GB" dirty="0" smtClean="0"/>
+              <a:rPr lang="en-GB" dirty="0"/>
               <a:t>ran </a:t>
             </a:r>
             <a:r>
-              <a:rPr lang="en-GB" dirty="0" err="1" smtClean="0"/>
+              <a:rPr lang="en-GB" dirty="0" err="1"/>
               <a:t>Thanh</a:t>
             </a:r>
             <a:r>
-              <a:rPr lang="en-GB" dirty="0" smtClean="0"/>
+              <a:rPr lang="en-GB" dirty="0"/>
               <a:t> </a:t>
             </a:r>
             <a:r>
-              <a:rPr lang="en-GB" dirty="0" err="1" smtClean="0"/>
+              <a:rPr lang="en-GB" dirty="0" err="1"/>
               <a:t>Quang</a:t>
             </a:r>
-            <a:endParaRPr lang="en-US" sz="2800" dirty="0" smtClean="0"/>
+            <a:endParaRPr lang="en-US" sz="2800" dirty="0"/>
           </a:p>
           <a:p>
             <a:r>
-              <a:rPr lang="en-US" dirty="0" smtClean="0"/>
+              <a:rPr lang="en-US" dirty="0"/>
               <a:t>A1</a:t>
             </a:r>
             <a:r>
-              <a:rPr lang="en-GB" dirty="0" smtClean="0"/>
+              <a:rPr lang="en-GB" dirty="0"/>
               <a:t>9079</a:t>
             </a:r>
             <a:r>
-              <a:rPr lang="en-US" dirty="0" smtClean="0"/>
+              <a:rPr lang="en-US" dirty="0"/>
               <a:t> - </a:t>
             </a:r>
             <a:r>
-              <a:rPr lang="en-GB" dirty="0" smtClean="0"/>
+              <a:rPr lang="en-GB" dirty="0"/>
               <a:t>Doan  </a:t>
             </a:r>
             <a:r>
-              <a:rPr lang="en-GB" dirty="0" err="1" smtClean="0"/>
+              <a:rPr lang="en-GB" dirty="0" err="1"/>
               <a:t>Lan</a:t>
             </a:r>
             <a:r>
-              <a:rPr lang="en-GB" dirty="0" smtClean="0"/>
+              <a:rPr lang="en-GB" dirty="0"/>
               <a:t> </a:t>
             </a:r>
             <a:r>
-              <a:rPr lang="en-GB" dirty="0" err="1" smtClean="0"/>
+              <a:rPr lang="en-GB" dirty="0" err="1"/>
               <a:t>Anh</a:t>
             </a:r>
-            <a:endParaRPr lang="en-US" sz="2800" dirty="0" smtClean="0"/>
+            <a:endParaRPr lang="en-US" sz="2800" dirty="0"/>
           </a:p>
           <a:p>
             <a:r>
-              <a:rPr lang="en-GB" dirty="0" smtClean="0"/>
+              <a:rPr lang="en-GB" dirty="0"/>
               <a:t>A18115 - Nguyen </a:t>
             </a:r>
             <a:r>
-              <a:rPr lang="en-GB" dirty="0" err="1" smtClean="0"/>
+              <a:rPr lang="en-GB" dirty="0" err="1"/>
               <a:t>Thuy</a:t>
             </a:r>
             <a:r>
-              <a:rPr lang="en-GB" dirty="0" smtClean="0"/>
+              <a:rPr lang="en-GB" dirty="0"/>
               <a:t> Van</a:t>
             </a:r>
-            <a:endParaRPr lang="en-US" dirty="0" smtClean="0"/>
+            <a:endParaRPr lang="en-US" dirty="0"/>
           </a:p>
           <a:p>
             <a:pPr marL="457200" lvl="0" indent="-381000" algn="l" rtl="0">
@@ -11156,7 +11104,7 @@
               <a:buChar char="Ø"/>
             </a:pPr>
             <a:r>
-              <a:rPr lang="en-US" i="1" dirty="0" smtClean="0"/>
+              <a:rPr lang="en-US" i="1" dirty="0"/>
               <a:t>Life Line is a pathology laboratory that performs different types of tests.</a:t>
             </a:r>
           </a:p>
@@ -11166,15 +11114,15 @@
               <a:buChar char="Ø"/>
             </a:pPr>
             <a:r>
-              <a:rPr lang="en-US" i="1" dirty="0" smtClean="0"/>
+              <a:rPr lang="en-US" i="1" dirty="0"/>
               <a:t>Previously, the lab was only to perform selected tests but with patient response and doctor's request, they added new </a:t>
             </a:r>
             <a:r>
-              <a:rPr lang="en-US" i="1" dirty="0" err="1" smtClean="0"/>
+              <a:rPr lang="en-US" i="1" dirty="0" err="1"/>
               <a:t>tests.It</a:t>
             </a:r>
             <a:r>
-              <a:rPr lang="en-US" i="1" dirty="0" smtClean="0"/>
+              <a:rPr lang="en-US" i="1" dirty="0"/>
               <a:t> should be difficult to manage patient reports and details of other tests.</a:t>
             </a:r>
           </a:p>
@@ -11184,7 +11132,7 @@
               <a:buChar char="Ø"/>
             </a:pPr>
             <a:r>
-              <a:rPr lang="en-US" i="1" dirty="0" smtClean="0"/>
+              <a:rPr lang="en-US" i="1" dirty="0"/>
               <a:t>Therefore, the laboratory decided to develop laboratory management software.</a:t>
             </a:r>
           </a:p>
@@ -11194,7 +11142,7 @@
               <a:buChar char="Ø"/>
             </a:pPr>
             <a:r>
-              <a:rPr lang="en-US" i="1" dirty="0" smtClean="0"/>
+              <a:rPr lang="en-US" i="1" dirty="0"/>
               <a:t>This system provides general, concise and accurate information regarding the provision of investigation information such as patient details, inventory, purchase details, patient details, billing, etc.</a:t>
             </a:r>
             <a:endParaRPr lang="en-US" dirty="0"/>
@@ -11264,7 +11212,7 @@
           <a:lstStyle/>
           <a:p>
             <a:r>
-              <a:rPr lang="en-US" sz="2800" dirty="0" smtClean="0">
+              <a:rPr lang="en-US" sz="2800" dirty="0">
                 <a:solidFill>
                   <a:schemeClr val="accent1"/>
                 </a:solidFill>
@@ -11272,12 +11220,6 @@
               </a:rPr>
               <a:t>Problem definition</a:t>
             </a:r>
-            <a:endParaRPr lang="en-US" sz="2800" dirty="0">
-              <a:solidFill>
-                <a:schemeClr val="accent1"/>
-              </a:solidFill>
-              <a:latin typeface="Dosis ExtraLight" charset="0"/>
-            </a:endParaRPr>
           </a:p>
         </p:txBody>
       </p:sp>
@@ -11369,7 +11311,7 @@
           <a:lstStyle/>
           <a:p>
             <a:r>
-              <a:rPr lang="en-US" sz="2800" dirty="0" smtClean="0">
+              <a:rPr lang="en-US" sz="2800" dirty="0">
                 <a:solidFill>
                   <a:schemeClr val="accent1"/>
                 </a:solidFill>
@@ -11377,12 +11319,6 @@
               </a:rPr>
               <a:t>Overview of processes involved in the system</a:t>
             </a:r>
-            <a:endParaRPr lang="en-US" sz="2800" dirty="0">
-              <a:solidFill>
-                <a:schemeClr val="accent1"/>
-              </a:solidFill>
-              <a:latin typeface="Dosis ExtraLight" charset="0"/>
-            </a:endParaRPr>
           </a:p>
         </p:txBody>
       </p:sp>
@@ -11409,13 +11345,13 @@
           <a:p>
             <a:pPr lvl="0"/>
             <a:r>
-              <a:rPr lang="en-US" sz="1800" b="1" dirty="0" smtClean="0">
+              <a:rPr lang="en-US" sz="1800" b="1" dirty="0">
                 <a:latin typeface="Pontano Sans" charset="0"/>
               </a:rPr>
               <a:t>Login, Logout </a:t>
             </a:r>
             <a:r>
-              <a:rPr lang="en-US" sz="1800" dirty="0" smtClean="0">
+              <a:rPr lang="en-US" sz="1800" dirty="0">
                 <a:latin typeface="Pontano Sans" charset="0"/>
               </a:rPr>
               <a:t>(The login portal appears every time you enter the system, asking the user to confirm the access. The system contains three login: Admin, Doctor, Staff).</a:t>
@@ -11424,12 +11360,12 @@
           <a:p>
             <a:pPr lvl="0"/>
             <a:r>
-              <a:rPr lang="en-US" sz="1800" b="1" dirty="0" smtClean="0">
+              <a:rPr lang="en-US" sz="1800" b="1" dirty="0">
                 <a:latin typeface="Pontano Sans" charset="0"/>
               </a:rPr>
               <a:t>Administrator:</a:t>
             </a:r>
-            <a:endParaRPr lang="en-US" sz="1800" dirty="0" smtClean="0">
+            <a:endParaRPr lang="en-US" sz="1800" dirty="0">
               <a:latin typeface="Pontano Sans" charset="0"/>
             </a:endParaRPr>
           </a:p>
@@ -11439,16 +11375,10 @@
               <a:buChar char="Ø"/>
             </a:pPr>
             <a:r>
-              <a:rPr lang="en-US" sz="1800" dirty="0" smtClean="0">
+              <a:rPr lang="en-US" sz="1800" dirty="0">
                 <a:latin typeface="Pontano Sans" charset="0"/>
               </a:rPr>
-              <a:t>Add/edit doctor </a:t>
-            </a:r>
-            <a:r>
-              <a:rPr lang="en-US" sz="1800" dirty="0" smtClean="0">
-                <a:latin typeface="Pontano Sans" charset="0"/>
-              </a:rPr>
-              <a:t>account</a:t>
+              <a:t>Add/edit doctor account</a:t>
             </a:r>
           </a:p>
           <a:p>
@@ -11457,14 +11387,11 @@
               <a:buChar char="Ø"/>
             </a:pPr>
             <a:r>
-              <a:rPr lang="en-US" sz="1800" dirty="0" smtClean="0">
+              <a:rPr lang="en-US" sz="1800" dirty="0">
                 <a:latin typeface="Pontano Sans" charset="0"/>
               </a:rPr>
               <a:t>Add/edit staff account</a:t>
             </a:r>
-            <a:endParaRPr lang="en-US" sz="1800" dirty="0" smtClean="0">
-              <a:latin typeface="Pontano Sans" charset="0"/>
-            </a:endParaRPr>
           </a:p>
           <a:p>
             <a:pPr lvl="1">
@@ -11472,7 +11399,7 @@
               <a:buChar char="Ø"/>
             </a:pPr>
             <a:r>
-              <a:rPr lang="en-US" sz="1800" dirty="0" smtClean="0">
+              <a:rPr lang="en-US" sz="1800" dirty="0">
                 <a:latin typeface="Pontano Sans" charset="0"/>
               </a:rPr>
               <a:t>Add/edit login account.</a:t>
@@ -11569,12 +11496,12 @@
           <a:p>
             <a:pPr lvl="0"/>
             <a:r>
-              <a:rPr lang="en-US" sz="1800" b="1" dirty="0" smtClean="0">
+              <a:rPr lang="en-US" sz="1800" b="1" dirty="0">
                 <a:latin typeface="Pontano Sans" charset="0"/>
               </a:rPr>
               <a:t>Staff:</a:t>
             </a:r>
-            <a:endParaRPr lang="en-US" sz="1800" dirty="0" smtClean="0">
+            <a:endParaRPr lang="en-US" sz="1800" dirty="0">
               <a:latin typeface="Pontano Sans" charset="0"/>
             </a:endParaRPr>
           </a:p>
@@ -11584,23 +11511,17 @@
               <a:buChar char="Ø"/>
             </a:pPr>
             <a:r>
-              <a:rPr lang="en-US" sz="1800" dirty="0" smtClean="0">
+              <a:rPr lang="en-US" sz="1800" dirty="0">
                 <a:latin typeface="Pontano Sans" charset="0"/>
               </a:rPr>
-              <a:t>Add/edit </a:t>
+              <a:t>Add/edit patient</a:t>
             </a:r>
             <a:r>
-              <a:rPr lang="en-US" sz="1800" dirty="0" smtClean="0">
-                <a:latin typeface="Pontano Sans" charset="0"/>
-              </a:rPr>
-              <a:t>patient</a:t>
-            </a:r>
-            <a:r>
-              <a:rPr lang="vi-VN" sz="1800" dirty="0" smtClean="0"/>
+              <a:rPr lang="vi-VN" sz="1800" dirty="0"/>
               <a:t> </a:t>
             </a:r>
             <a:r>
-              <a:rPr lang="en-US" sz="1800" dirty="0" smtClean="0">
+              <a:rPr lang="en-US" sz="1800" dirty="0">
                 <a:latin typeface="Pontano Sans" charset="0"/>
               </a:rPr>
               <a:t>detail</a:t>
@@ -11612,7 +11533,7 @@
               <a:buChar char="Ø"/>
             </a:pPr>
             <a:r>
-              <a:rPr lang="en-US" sz="1800" dirty="0" smtClean="0">
+              <a:rPr lang="en-US" sz="1800" dirty="0">
                 <a:latin typeface="Pontano Sans" charset="0"/>
               </a:rPr>
               <a:t>Add/edit medicine stock.</a:t>
@@ -11624,13 +11545,69 @@
               <a:buChar char="Ø"/>
             </a:pPr>
             <a:r>
-              <a:rPr lang="en-US" sz="1800" dirty="0" smtClean="0">
+              <a:rPr lang="en-US" sz="1800" dirty="0">
                 <a:latin typeface="Pontano Sans" charset="0"/>
               </a:rPr>
-              <a:t>Check bill detail</a:t>
+              <a:t>Check bill detail.</a:t>
+            </a:r>
+          </a:p>
+          <a:p>
+            <a:pPr lvl="1">
+              <a:buFont typeface="Wingdings" pitchFamily="2" charset="2"/>
+              <a:buChar char="Ø"/>
+            </a:pPr>
+            <a:r>
+              <a:rPr lang="en-US" sz="1800" dirty="0">
+                <a:latin typeface="Pontano Sans" charset="0"/>
+              </a:rPr>
+              <a:t>Change password Staff account</a:t>
+            </a:r>
+          </a:p>
+          <a:p>
+            <a:pPr lvl="0"/>
+            <a:r>
+              <a:rPr lang="en-US" sz="1800" b="1" dirty="0">
+                <a:latin typeface="Pontano Sans" charset="0"/>
+              </a:rPr>
+              <a:t>Doctor:</a:t>
+            </a:r>
+            <a:endParaRPr lang="en-US" sz="1800" dirty="0">
+              <a:latin typeface="Pontano Sans" charset="0"/>
+            </a:endParaRPr>
+          </a:p>
+          <a:p>
+            <a:pPr lvl="1">
+              <a:buFont typeface="Wingdings" pitchFamily="2" charset="2"/>
+              <a:buChar char="Ø"/>
+            </a:pPr>
+            <a:r>
+              <a:rPr lang="en-US" sz="1800" dirty="0">
+                <a:latin typeface="Pontano Sans" charset="0"/>
+              </a:rPr>
+              <a:t>View</a:t>
             </a:r>
             <a:r>
-              <a:rPr lang="en-US" sz="1800" dirty="0" smtClean="0">
+              <a:rPr lang="vi-VN" sz="1800" dirty="0"/>
+              <a:t>/</a:t>
+            </a:r>
+            <a:r>
+              <a:rPr lang="en-US" sz="1800" dirty="0">
+                <a:latin typeface="Pontano Sans" charset="0"/>
+              </a:rPr>
+              <a:t>edit</a:t>
+            </a:r>
+            <a:r>
+              <a:rPr lang="vi-VN" sz="1800" dirty="0"/>
+              <a:t> </a:t>
+            </a:r>
+            <a:r>
+              <a:rPr lang="en-GB" sz="1800" dirty="0">
+                <a:latin typeface="Pontano Sans" charset="0"/>
+              </a:rPr>
+              <a:t>report</a:t>
+            </a:r>
+            <a:r>
+              <a:rPr lang="en-US" sz="1800" dirty="0">
                 <a:latin typeface="Pontano Sans" charset="0"/>
               </a:rPr>
               <a:t>.</a:t>
@@ -11642,60 +11619,13 @@
               <a:buChar char="Ø"/>
             </a:pPr>
             <a:r>
-              <a:rPr lang="en-US" sz="1800" dirty="0" smtClean="0">
+              <a:rPr lang="en-GB" sz="1800" dirty="0">
                 <a:latin typeface="Pontano Sans" charset="0"/>
               </a:rPr>
-              <a:t>Change password Staff account</a:t>
-            </a:r>
-            <a:endParaRPr lang="en-US" sz="1800" dirty="0" smtClean="0">
-              <a:latin typeface="Pontano Sans" charset="0"/>
-            </a:endParaRPr>
-          </a:p>
-          <a:p>
-            <a:pPr lvl="0"/>
-            <a:r>
-              <a:rPr lang="en-US" sz="1800" b="1" dirty="0" smtClean="0">
-                <a:latin typeface="Pontano Sans" charset="0"/>
-              </a:rPr>
-              <a:t>Doctor:</a:t>
-            </a:r>
-            <a:endParaRPr lang="en-US" sz="1800" dirty="0" smtClean="0">
-              <a:latin typeface="Pontano Sans" charset="0"/>
-            </a:endParaRPr>
-          </a:p>
-          <a:p>
-            <a:pPr lvl="1">
-              <a:buFont typeface="Wingdings" pitchFamily="2" charset="2"/>
-              <a:buChar char="Ø"/>
-            </a:pPr>
-            <a:r>
-              <a:rPr lang="en-US" sz="1800" dirty="0" smtClean="0">
-                <a:latin typeface="Pontano Sans" charset="0"/>
-              </a:rPr>
-              <a:t>View</a:t>
+              <a:t>Add/edit test information</a:t>
             </a:r>
             <a:r>
-              <a:rPr lang="vi-VN" sz="1800" dirty="0" smtClean="0"/>
-              <a:t>/</a:t>
-            </a:r>
-            <a:r>
-              <a:rPr lang="en-US" sz="1800" dirty="0" smtClean="0">
-                <a:latin typeface="Pontano Sans" charset="0"/>
-              </a:rPr>
-              <a:t>edit</a:t>
-            </a:r>
-            <a:r>
-              <a:rPr lang="vi-VN" sz="1800" dirty="0" smtClean="0"/>
-              <a:t> </a:t>
-            </a:r>
-            <a:r>
-              <a:rPr lang="en-GB" sz="1800" dirty="0" smtClean="0">
-                <a:latin typeface="Pontano Sans" charset="0"/>
-              </a:rPr>
-              <a:t>report</a:t>
-            </a:r>
-            <a:r>
-              <a:rPr lang="en-US" sz="1800" dirty="0" smtClean="0">
+              <a:rPr lang="en-US" sz="1800" dirty="0">
                 <a:latin typeface="Pontano Sans" charset="0"/>
               </a:rPr>
               <a:t>.</a:t>
@@ -11707,16 +11637,10 @@
               <a:buChar char="Ø"/>
             </a:pPr>
             <a:r>
-              <a:rPr lang="en-GB" sz="1800" dirty="0" smtClean="0">
+              <a:rPr lang="en-US" sz="1800" dirty="0">
                 <a:latin typeface="Pontano Sans" charset="0"/>
               </a:rPr>
-              <a:t>Add/edit test information</a:t>
-            </a:r>
-            <a:r>
-              <a:rPr lang="en-US" sz="1800" dirty="0" smtClean="0">
-                <a:latin typeface="Pontano Sans" charset="0"/>
-              </a:rPr>
-              <a:t>.</a:t>
+              <a:t>Change password Doctor account</a:t>
             </a:r>
           </a:p>
           <a:p>
@@ -11724,31 +11648,7 @@
               <a:buFont typeface="Wingdings" pitchFamily="2" charset="2"/>
               <a:buChar char="Ø"/>
             </a:pPr>
-            <a:r>
-              <a:rPr lang="en-US" sz="1800" dirty="0" smtClean="0">
-                <a:latin typeface="Pontano Sans" charset="0"/>
-              </a:rPr>
-              <a:t>Change password </a:t>
-            </a:r>
-            <a:r>
-              <a:rPr lang="en-US" sz="1800" dirty="0" smtClean="0">
-                <a:latin typeface="Pontano Sans" charset="0"/>
-              </a:rPr>
-              <a:t>Doctor </a:t>
-            </a:r>
-            <a:r>
-              <a:rPr lang="en-US" sz="1800" dirty="0" smtClean="0">
-                <a:latin typeface="Pontano Sans" charset="0"/>
-              </a:rPr>
-              <a:t>account</a:t>
-            </a:r>
-          </a:p>
-          <a:p>
-            <a:pPr lvl="1">
-              <a:buFont typeface="Wingdings" pitchFamily="2" charset="2"/>
-              <a:buChar char="Ø"/>
-            </a:pPr>
-            <a:endParaRPr lang="en-US" sz="1800" dirty="0" smtClean="0">
+            <a:endParaRPr lang="en-US" sz="1800" dirty="0">
               <a:latin typeface="Pontano Sans" charset="0"/>
             </a:endParaRPr>
           </a:p>
@@ -11842,7 +11742,7 @@
           <a:lstStyle/>
           <a:p>
             <a:r>
-              <a:rPr lang="en-US" sz="2000" dirty="0" smtClean="0">
+              <a:rPr lang="en-US" sz="2000" dirty="0">
                 <a:solidFill>
                   <a:schemeClr val="accent1"/>
                 </a:solidFill>
@@ -11850,12 +11750,6 @@
               </a:rPr>
               <a:t>ENTITY RELATIONSHIP MODEL</a:t>
             </a:r>
-            <a:endParaRPr lang="en-US" sz="2000" dirty="0">
-              <a:solidFill>
-                <a:schemeClr val="accent1"/>
-              </a:solidFill>
-              <a:latin typeface="Dosis ExtraLight" charset="0"/>
-            </a:endParaRPr>
           </a:p>
         </p:txBody>
       </p:sp>
@@ -11929,13 +11823,6 @@
   <p:clrMapOvr>
     <a:masterClrMapping/>
   </p:clrMapOvr>
-  <p:timing>
-    <p:tnLst>
-      <p:par>
-        <p:cTn id="1" dur="indefinite" restart="never" nodeType="tmRoot"/>
-      </p:par>
-    </p:tnLst>
-  </p:timing>
 </p:sld>
 </file>
 
@@ -12019,7 +11906,7 @@
           <a:lstStyle/>
           <a:p>
             <a:r>
-              <a:rPr lang="en-US" sz="2000" dirty="0" smtClean="0">
+              <a:rPr lang="en-US" sz="2000" dirty="0">
                 <a:solidFill>
                   <a:schemeClr val="accent1"/>
                 </a:solidFill>
@@ -12027,12 +11914,6 @@
               </a:rPr>
               <a:t>CONTEXT LEVEL</a:t>
             </a:r>
-            <a:endParaRPr lang="en-US" sz="2000" dirty="0">
-              <a:solidFill>
-                <a:schemeClr val="accent1"/>
-              </a:solidFill>
-              <a:latin typeface="Dosis ExtraLight" charset="0"/>
-            </a:endParaRPr>
           </a:p>
         </p:txBody>
       </p:sp>
@@ -12073,13 +11954,6 @@
   <p:clrMapOvr>
     <a:masterClrMapping/>
   </p:clrMapOvr>
-  <p:timing>
-    <p:tnLst>
-      <p:par>
-        <p:cTn id="1" dur="indefinite" restart="never" nodeType="tmRoot"/>
-      </p:par>
-    </p:tnLst>
-  </p:timing>
 </p:sld>
 </file>
 
@@ -12163,7 +12037,7 @@
           <a:lstStyle/>
           <a:p>
             <a:r>
-              <a:rPr lang="en-US" sz="2000" dirty="0" smtClean="0">
+              <a:rPr lang="en-US" sz="2000" dirty="0">
                 <a:solidFill>
                   <a:schemeClr val="accent1"/>
                 </a:solidFill>
@@ -12171,12 +12045,6 @@
               </a:rPr>
               <a:t>DFD LEVEL 0</a:t>
             </a:r>
-            <a:endParaRPr lang="en-US" sz="2000" dirty="0">
-              <a:solidFill>
-                <a:schemeClr val="accent1"/>
-              </a:solidFill>
-              <a:latin typeface="Dosis ExtraLight" charset="0"/>
-            </a:endParaRPr>
           </a:p>
         </p:txBody>
       </p:sp>
@@ -12217,13 +12085,6 @@
   <p:clrMapOvr>
     <a:masterClrMapping/>
   </p:clrMapOvr>
-  <p:timing>
-    <p:tnLst>
-      <p:par>
-        <p:cTn id="1" dur="indefinite" restart="never" nodeType="tmRoot"/>
-      </p:par>
-    </p:tnLst>
-  </p:timing>
 </p:sld>
 </file>
 
@@ -12307,7 +12168,7 @@
           <a:lstStyle/>
           <a:p>
             <a:r>
-              <a:rPr lang="en-US" sz="2000" dirty="0" smtClean="0">
+              <a:rPr lang="en-US" sz="2000" dirty="0">
                 <a:solidFill>
                   <a:schemeClr val="accent1"/>
                 </a:solidFill>
@@ -12316,7 +12177,7 @@
               <a:t>DFD LEVEL 1</a:t>
             </a:r>
             <a:br>
-              <a:rPr lang="en-US" sz="2000" dirty="0" smtClean="0">
+              <a:rPr lang="en-US" sz="2000" dirty="0">
                 <a:solidFill>
                   <a:schemeClr val="accent1"/>
                 </a:solidFill>
@@ -12324,7 +12185,7 @@
               </a:rPr>
             </a:br>
             <a:r>
-              <a:rPr lang="en-US" sz="2000" dirty="0" smtClean="0">
+              <a:rPr lang="en-US" sz="2000" dirty="0">
                 <a:solidFill>
                   <a:schemeClr val="accent1"/>
                 </a:solidFill>
@@ -12332,12 +12193,6 @@
               </a:rPr>
               <a:t>ADMINISTRATION</a:t>
             </a:r>
-            <a:endParaRPr lang="en-US" sz="2000" dirty="0">
-              <a:solidFill>
-                <a:schemeClr val="accent1"/>
-              </a:solidFill>
-              <a:latin typeface="Dosis ExtraLight" charset="0"/>
-            </a:endParaRPr>
           </a:p>
         </p:txBody>
       </p:sp>
@@ -12378,13 +12233,6 @@
   <p:clrMapOvr>
     <a:masterClrMapping/>
   </p:clrMapOvr>
-  <p:timing>
-    <p:tnLst>
-      <p:par>
-        <p:cTn id="1" dur="indefinite" restart="never" nodeType="tmRoot"/>
-      </p:par>
-    </p:tnLst>
-  </p:timing>
 </p:sld>
 </file>
 
